--- a/eCommerce/Lectures/4th Week Lecture.pptx
+++ b/eCommerce/Lectures/4th Week Lecture.pptx
@@ -9,9 +9,18 @@
     <p:sldId id="262" r:id="rId3"/>
     <p:sldId id="261" r:id="rId4"/>
     <p:sldId id="257" r:id="rId5"/>
-    <p:sldId id="258" r:id="rId6"/>
-    <p:sldId id="259" r:id="rId7"/>
-    <p:sldId id="260" r:id="rId8"/>
+    <p:sldId id="263" r:id="rId6"/>
+    <p:sldId id="264" r:id="rId7"/>
+    <p:sldId id="258" r:id="rId8"/>
+    <p:sldId id="265" r:id="rId9"/>
+    <p:sldId id="266" r:id="rId10"/>
+    <p:sldId id="259" r:id="rId11"/>
+    <p:sldId id="267" r:id="rId12"/>
+    <p:sldId id="268" r:id="rId13"/>
+    <p:sldId id="269" r:id="rId14"/>
+    <p:sldId id="260" r:id="rId15"/>
+    <p:sldId id="270" r:id="rId16"/>
+    <p:sldId id="271" r:id="rId17"/>
   </p:sldIdLst>
   <p:sldSz cx="12192000" cy="6858000"/>
   <p:notesSz cx="6858000" cy="9144000"/>
@@ -840,7 +849,7 @@
           <a:p>
             <a:fld id="{F92B177F-34A6-4B22-B4DE-0B5E1D1AE6C4}" type="datetimeFigureOut">
               <a:rPr lang="en-US" smtClean="0"/>
-              <a:t>3/17/2024</a:t>
+              <a:t>3/18/2024</a:t>
             </a:fld>
             <a:endParaRPr lang="en-US"/>
           </a:p>
@@ -1091,7 +1100,7 @@
           <a:p>
             <a:fld id="{F92B177F-34A6-4B22-B4DE-0B5E1D1AE6C4}" type="datetimeFigureOut">
               <a:rPr lang="en-US" smtClean="0"/>
-              <a:t>3/17/2024</a:t>
+              <a:t>3/18/2024</a:t>
             </a:fld>
             <a:endParaRPr lang="en-US"/>
           </a:p>
@@ -1405,7 +1414,7 @@
           <a:p>
             <a:fld id="{F92B177F-34A6-4B22-B4DE-0B5E1D1AE6C4}" type="datetimeFigureOut">
               <a:rPr lang="en-US" smtClean="0"/>
-              <a:t>3/17/2024</a:t>
+              <a:t>3/18/2024</a:t>
             </a:fld>
             <a:endParaRPr lang="en-US"/>
           </a:p>
@@ -1746,7 +1755,7 @@
           <a:p>
             <a:fld id="{F92B177F-34A6-4B22-B4DE-0B5E1D1AE6C4}" type="datetimeFigureOut">
               <a:rPr lang="en-US" smtClean="0"/>
-              <a:t>3/17/2024</a:t>
+              <a:t>3/18/2024</a:t>
             </a:fld>
             <a:endParaRPr lang="en-US"/>
           </a:p>
@@ -2060,7 +2069,7 @@
           <a:p>
             <a:fld id="{F92B177F-34A6-4B22-B4DE-0B5E1D1AE6C4}" type="datetimeFigureOut">
               <a:rPr lang="en-US" smtClean="0"/>
-              <a:t>3/17/2024</a:t>
+              <a:t>3/18/2024</a:t>
             </a:fld>
             <a:endParaRPr lang="en-US"/>
           </a:p>
@@ -2453,7 +2462,7 @@
           <a:p>
             <a:fld id="{F92B177F-34A6-4B22-B4DE-0B5E1D1AE6C4}" type="datetimeFigureOut">
               <a:rPr lang="en-US" smtClean="0"/>
-              <a:t>3/17/2024</a:t>
+              <a:t>3/18/2024</a:t>
             </a:fld>
             <a:endParaRPr lang="en-US"/>
           </a:p>
@@ -2623,7 +2632,7 @@
           <a:p>
             <a:fld id="{F92B177F-34A6-4B22-B4DE-0B5E1D1AE6C4}" type="datetimeFigureOut">
               <a:rPr lang="en-US" smtClean="0"/>
-              <a:t>3/17/2024</a:t>
+              <a:t>3/18/2024</a:t>
             </a:fld>
             <a:endParaRPr lang="en-US"/>
           </a:p>
@@ -2803,7 +2812,7 @@
           <a:p>
             <a:fld id="{F92B177F-34A6-4B22-B4DE-0B5E1D1AE6C4}" type="datetimeFigureOut">
               <a:rPr lang="en-US" smtClean="0"/>
-              <a:t>3/17/2024</a:t>
+              <a:t>3/18/2024</a:t>
             </a:fld>
             <a:endParaRPr lang="en-US"/>
           </a:p>
@@ -2979,7 +2988,7 @@
           <a:p>
             <a:fld id="{F92B177F-34A6-4B22-B4DE-0B5E1D1AE6C4}" type="datetimeFigureOut">
               <a:rPr lang="en-US" smtClean="0"/>
-              <a:t>3/17/2024</a:t>
+              <a:t>3/18/2024</a:t>
             </a:fld>
             <a:endParaRPr lang="en-US"/>
           </a:p>
@@ -3226,7 +3235,7 @@
           <a:p>
             <a:fld id="{F92B177F-34A6-4B22-B4DE-0B5E1D1AE6C4}" type="datetimeFigureOut">
               <a:rPr lang="en-US" smtClean="0"/>
-              <a:t>3/17/2024</a:t>
+              <a:t>3/18/2024</a:t>
             </a:fld>
             <a:endParaRPr lang="en-US"/>
           </a:p>
@@ -3458,7 +3467,7 @@
           <a:p>
             <a:fld id="{F92B177F-34A6-4B22-B4DE-0B5E1D1AE6C4}" type="datetimeFigureOut">
               <a:rPr lang="en-US" smtClean="0"/>
-              <a:t>3/17/2024</a:t>
+              <a:t>3/18/2024</a:t>
             </a:fld>
             <a:endParaRPr lang="en-US"/>
           </a:p>
@@ -3832,7 +3841,7 @@
           <a:p>
             <a:fld id="{F92B177F-34A6-4B22-B4DE-0B5E1D1AE6C4}" type="datetimeFigureOut">
               <a:rPr lang="en-US" smtClean="0"/>
-              <a:t>3/17/2024</a:t>
+              <a:t>3/18/2024</a:t>
             </a:fld>
             <a:endParaRPr lang="en-US"/>
           </a:p>
@@ -3955,7 +3964,7 @@
           <a:p>
             <a:fld id="{F92B177F-34A6-4B22-B4DE-0B5E1D1AE6C4}" type="datetimeFigureOut">
               <a:rPr lang="en-US" smtClean="0"/>
-              <a:t>3/17/2024</a:t>
+              <a:t>3/18/2024</a:t>
             </a:fld>
             <a:endParaRPr lang="en-US"/>
           </a:p>
@@ -4050,7 +4059,7 @@
           <a:p>
             <a:fld id="{F92B177F-34A6-4B22-B4DE-0B5E1D1AE6C4}" type="datetimeFigureOut">
               <a:rPr lang="en-US" smtClean="0"/>
-              <a:t>3/17/2024</a:t>
+              <a:t>3/18/2024</a:t>
             </a:fld>
             <a:endParaRPr lang="en-US"/>
           </a:p>
@@ -4305,7 +4314,7 @@
           <a:p>
             <a:fld id="{F92B177F-34A6-4B22-B4DE-0B5E1D1AE6C4}" type="datetimeFigureOut">
               <a:rPr lang="en-US" smtClean="0"/>
-              <a:t>3/17/2024</a:t>
+              <a:t>3/18/2024</a:t>
             </a:fld>
             <a:endParaRPr lang="en-US"/>
           </a:p>
@@ -4568,7 +4577,7 @@
           <a:p>
             <a:fld id="{F92B177F-34A6-4B22-B4DE-0B5E1D1AE6C4}" type="datetimeFigureOut">
               <a:rPr lang="en-US" smtClean="0"/>
-              <a:t>3/17/2024</a:t>
+              <a:t>3/18/2024</a:t>
             </a:fld>
             <a:endParaRPr lang="en-US"/>
           </a:p>
@@ -5311,7 +5320,7 @@
           <a:p>
             <a:fld id="{F92B177F-34A6-4B22-B4DE-0B5E1D1AE6C4}" type="datetimeFigureOut">
               <a:rPr lang="en-US" smtClean="0"/>
-              <a:t>3/17/2024</a:t>
+              <a:t>3/18/2024</a:t>
             </a:fld>
             <a:endParaRPr lang="en-US"/>
           </a:p>
@@ -6158,6 +6167,2147 @@
 </p:sld>
 </file>
 
+<file path=ppt/slides/slide10.xml><?xml version="1.0" encoding="utf-8"?>
+<p:sld xmlns:a="http://schemas.openxmlformats.org/drawingml/2006/main" xmlns:r="http://schemas.openxmlformats.org/officeDocument/2006/relationships" xmlns:p="http://schemas.openxmlformats.org/presentationml/2006/main">
+  <p:cSld>
+    <p:spTree>
+      <p:nvGrpSpPr>
+        <p:cNvPr id="1" name="">
+          <a:extLst>
+            <a:ext uri="{FF2B5EF4-FFF2-40B4-BE49-F238E27FC236}">
+              <a16:creationId xmlns:a16="http://schemas.microsoft.com/office/drawing/2014/main" id="{47DF9C13-05A4-00F3-A860-72AD65E0A06E}"/>
+            </a:ext>
+          </a:extLst>
+        </p:cNvPr>
+        <p:cNvGrpSpPr/>
+        <p:nvPr/>
+      </p:nvGrpSpPr>
+      <p:grpSpPr>
+        <a:xfrm>
+          <a:off x="0" y="0"/>
+          <a:ext cx="0" cy="0"/>
+          <a:chOff x="0" y="0"/>
+          <a:chExt cx="0" cy="0"/>
+        </a:xfrm>
+      </p:grpSpPr>
+      <p:pic>
+        <p:nvPicPr>
+          <p:cNvPr id="7" name="Picture 6">
+            <a:extLst>
+              <a:ext uri="{FF2B5EF4-FFF2-40B4-BE49-F238E27FC236}">
+                <a16:creationId xmlns:a16="http://schemas.microsoft.com/office/drawing/2014/main" id="{25E6FDAB-D442-9EA8-905E-BF5A169C9FB5}"/>
+              </a:ext>
+            </a:extLst>
+          </p:cNvPr>
+          <p:cNvPicPr>
+            <a:picLocks noChangeAspect="1"/>
+          </p:cNvPicPr>
+          <p:nvPr/>
+        </p:nvPicPr>
+        <p:blipFill>
+          <a:blip r:embed="rId2">
+            <a:extLst>
+              <a:ext uri="{28A0092B-C50C-407E-A947-70E740481C1C}">
+                <a14:useLocalDpi xmlns:a14="http://schemas.microsoft.com/office/drawing/2010/main" val="0"/>
+              </a:ext>
+            </a:extLst>
+          </a:blip>
+          <a:stretch>
+            <a:fillRect/>
+          </a:stretch>
+        </p:blipFill>
+        <p:spPr>
+          <a:xfrm>
+            <a:off x="0" y="4844958"/>
+            <a:ext cx="1915235" cy="1915235"/>
+          </a:xfrm>
+          <a:prstGeom prst="rect">
+            <a:avLst/>
+          </a:prstGeom>
+        </p:spPr>
+      </p:pic>
+      <p:sp>
+        <p:nvSpPr>
+          <p:cNvPr id="8" name="TextBox 7">
+            <a:extLst>
+              <a:ext uri="{FF2B5EF4-FFF2-40B4-BE49-F238E27FC236}">
+                <a16:creationId xmlns:a16="http://schemas.microsoft.com/office/drawing/2014/main" id="{69FF4E71-12CB-3666-C1EE-2C9A627335A2}"/>
+              </a:ext>
+            </a:extLst>
+          </p:cNvPr>
+          <p:cNvSpPr txBox="1"/>
+          <p:nvPr/>
+        </p:nvSpPr>
+        <p:spPr>
+          <a:xfrm>
+            <a:off x="9778558" y="259307"/>
+            <a:ext cx="2536272" cy="461665"/>
+          </a:xfrm>
+          <a:prstGeom prst="rect">
+            <a:avLst/>
+          </a:prstGeom>
+          <a:noFill/>
+        </p:spPr>
+        <p:txBody>
+          <a:bodyPr wrap="square" rtlCol="0">
+            <a:spAutoFit/>
+          </a:bodyPr>
+          <a:lstStyle/>
+          <a:p>
+            <a:r>
+              <a:rPr lang="en-US" sz="2400" b="1" dirty="0">
+                <a:solidFill>
+                  <a:schemeClr val="bg1"/>
+                </a:solidFill>
+                <a:latin typeface="Arial Black" panose="020B0A04020102020204" pitchFamily="34" charset="0"/>
+              </a:rPr>
+              <a:t>AI Academy</a:t>
+            </a:r>
+            <a:r>
+              <a:rPr lang="en-US" sz="2400" b="0" i="0" dirty="0">
+                <a:solidFill>
+                  <a:schemeClr val="bg1"/>
+                </a:solidFill>
+                <a:effectLst/>
+                <a:latin typeface="arial" panose="020B0604020202020204" pitchFamily="34" charset="0"/>
+              </a:rPr>
+              <a:t>®</a:t>
+            </a:r>
+            <a:endParaRPr lang="en-US" sz="2400" b="1" dirty="0">
+              <a:solidFill>
+                <a:schemeClr val="bg1"/>
+              </a:solidFill>
+              <a:latin typeface="Arial Black" panose="020B0A04020102020204" pitchFamily="34" charset="0"/>
+            </a:endParaRPr>
+          </a:p>
+        </p:txBody>
+      </p:sp>
+      <p:sp>
+        <p:nvSpPr>
+          <p:cNvPr id="13" name="Scroll: Vertical 12">
+            <a:extLst>
+              <a:ext uri="{FF2B5EF4-FFF2-40B4-BE49-F238E27FC236}">
+                <a16:creationId xmlns:a16="http://schemas.microsoft.com/office/drawing/2014/main" id="{48F135C3-AD06-1FA0-29F0-9123B4BC009F}"/>
+              </a:ext>
+            </a:extLst>
+          </p:cNvPr>
+          <p:cNvSpPr/>
+          <p:nvPr/>
+        </p:nvSpPr>
+        <p:spPr>
+          <a:xfrm>
+            <a:off x="10459839" y="887102"/>
+            <a:ext cx="1091821" cy="873457"/>
+          </a:xfrm>
+          <a:prstGeom prst="verticalScroll">
+            <a:avLst/>
+          </a:prstGeom>
+          <a:solidFill>
+            <a:schemeClr val="bg1"/>
+          </a:solidFill>
+        </p:spPr>
+        <p:style>
+          <a:lnRef idx="2">
+            <a:schemeClr val="accent1">
+              <a:shade val="15000"/>
+            </a:schemeClr>
+          </a:lnRef>
+          <a:fillRef idx="1">
+            <a:schemeClr val="accent1"/>
+          </a:fillRef>
+          <a:effectRef idx="0">
+            <a:schemeClr val="accent1"/>
+          </a:effectRef>
+          <a:fontRef idx="minor">
+            <a:schemeClr val="lt1"/>
+          </a:fontRef>
+        </p:style>
+        <p:txBody>
+          <a:bodyPr rtlCol="0" anchor="ctr"/>
+          <a:lstStyle/>
+          <a:p>
+            <a:pPr algn="ctr"/>
+            <a:r>
+              <a:rPr lang="en-US" sz="4400" b="1" dirty="0">
+                <a:solidFill>
+                  <a:schemeClr val="tx1"/>
+                </a:solidFill>
+              </a:rPr>
+              <a:t>10</a:t>
+            </a:r>
+          </a:p>
+        </p:txBody>
+      </p:sp>
+      <p:sp>
+        <p:nvSpPr>
+          <p:cNvPr id="2" name="TextBox 1">
+            <a:extLst>
+              <a:ext uri="{FF2B5EF4-FFF2-40B4-BE49-F238E27FC236}">
+                <a16:creationId xmlns:a16="http://schemas.microsoft.com/office/drawing/2014/main" id="{2E5A3BF6-53E4-2CD7-8E1B-3A695A213A3A}"/>
+              </a:ext>
+            </a:extLst>
+          </p:cNvPr>
+          <p:cNvSpPr txBox="1"/>
+          <p:nvPr/>
+        </p:nvSpPr>
+        <p:spPr>
+          <a:xfrm>
+            <a:off x="1915235" y="1255590"/>
+            <a:ext cx="7102156" cy="3431196"/>
+          </a:xfrm>
+          <a:prstGeom prst="rect">
+            <a:avLst/>
+          </a:prstGeom>
+          <a:noFill/>
+        </p:spPr>
+        <p:txBody>
+          <a:bodyPr wrap="square" rtlCol="0">
+            <a:spAutoFit/>
+          </a:bodyPr>
+          <a:lstStyle/>
+          <a:p>
+            <a:pPr marL="285750" indent="-285750">
+              <a:lnSpc>
+                <a:spcPct val="150000"/>
+              </a:lnSpc>
+              <a:buFont typeface="Wingdings" panose="05000000000000000000" pitchFamily="2" charset="2"/>
+              <a:buChar char="Ø"/>
+            </a:pPr>
+            <a:r>
+              <a:rPr lang="en-US" sz="3600" b="1" dirty="0">
+                <a:latin typeface="Times New Roman" panose="02020603050405020304" pitchFamily="18" charset="0"/>
+                <a:cs typeface="Times New Roman" panose="02020603050405020304" pitchFamily="18" charset="0"/>
+              </a:rPr>
+              <a:t>Day 4: </a:t>
+            </a:r>
+          </a:p>
+          <a:p>
+            <a:pPr marL="1485900" lvl="2" indent="-571500">
+              <a:lnSpc>
+                <a:spcPct val="150000"/>
+              </a:lnSpc>
+              <a:buFont typeface="+mj-lt"/>
+              <a:buAutoNum type="romanUcPeriod"/>
+            </a:pPr>
+            <a:r>
+              <a:rPr lang="en-US" sz="2800" dirty="0">
+                <a:latin typeface="Times New Roman" panose="02020603050405020304" pitchFamily="18" charset="0"/>
+                <a:cs typeface="Times New Roman" panose="02020603050405020304" pitchFamily="18" charset="0"/>
+              </a:rPr>
+              <a:t>Explore Shopify Store front-end</a:t>
+            </a:r>
+          </a:p>
+          <a:p>
+            <a:pPr marL="1943100" lvl="3" indent="-571500">
+              <a:lnSpc>
+                <a:spcPct val="150000"/>
+              </a:lnSpc>
+              <a:buFont typeface="Arial" panose="020B0604020202020204" pitchFamily="34" charset="0"/>
+              <a:buChar char="•"/>
+            </a:pPr>
+            <a:r>
+              <a:rPr lang="en-US" sz="2800" dirty="0">
+                <a:latin typeface="Times New Roman" panose="02020603050405020304" pitchFamily="18" charset="0"/>
+                <a:cs typeface="Times New Roman" panose="02020603050405020304" pitchFamily="18" charset="0"/>
+              </a:rPr>
+              <a:t>Guidelines, personalizing</a:t>
+            </a:r>
+          </a:p>
+          <a:p>
+            <a:pPr marL="1943100" lvl="3" indent="-571500">
+              <a:lnSpc>
+                <a:spcPct val="150000"/>
+              </a:lnSpc>
+              <a:buFont typeface="Arial" panose="020B0604020202020204" pitchFamily="34" charset="0"/>
+              <a:buChar char="•"/>
+            </a:pPr>
+            <a:r>
+              <a:rPr lang="en-US" sz="2800" dirty="0">
+                <a:latin typeface="Times New Roman" panose="02020603050405020304" pitchFamily="18" charset="0"/>
+                <a:cs typeface="Times New Roman" panose="02020603050405020304" pitchFamily="18" charset="0"/>
+              </a:rPr>
+              <a:t>Banners, logos and Brand identity</a:t>
+            </a:r>
+          </a:p>
+          <a:p>
+            <a:pPr marL="1485900" lvl="2" indent="-571500">
+              <a:lnSpc>
+                <a:spcPct val="150000"/>
+              </a:lnSpc>
+              <a:buFont typeface="+mj-lt"/>
+              <a:buAutoNum type="romanUcPeriod"/>
+            </a:pPr>
+            <a:r>
+              <a:rPr lang="en-US" sz="2800" dirty="0">
+                <a:latin typeface="Times New Roman" panose="02020603050405020304" pitchFamily="18" charset="0"/>
+                <a:cs typeface="Times New Roman" panose="02020603050405020304" pitchFamily="18" charset="0"/>
+              </a:rPr>
+              <a:t>Troubleshooting and assistance</a:t>
+            </a:r>
+          </a:p>
+        </p:txBody>
+      </p:sp>
+      <p:sp>
+        <p:nvSpPr>
+          <p:cNvPr id="3" name="TextBox 2">
+            <a:extLst>
+              <a:ext uri="{FF2B5EF4-FFF2-40B4-BE49-F238E27FC236}">
+                <a16:creationId xmlns:a16="http://schemas.microsoft.com/office/drawing/2014/main" id="{3A338323-A1BB-E65E-3214-184CC15AAEA5}"/>
+              </a:ext>
+            </a:extLst>
+          </p:cNvPr>
+          <p:cNvSpPr txBox="1"/>
+          <p:nvPr/>
+        </p:nvSpPr>
+        <p:spPr>
+          <a:xfrm>
+            <a:off x="1109533" y="259307"/>
+            <a:ext cx="2559868" cy="707886"/>
+          </a:xfrm>
+          <a:prstGeom prst="rect">
+            <a:avLst/>
+          </a:prstGeom>
+          <a:noFill/>
+        </p:spPr>
+        <p:txBody>
+          <a:bodyPr wrap="none" rtlCol="0">
+            <a:spAutoFit/>
+          </a:bodyPr>
+          <a:lstStyle/>
+          <a:p>
+            <a:r>
+              <a:rPr lang="en-US" sz="4000" b="1" dirty="0">
+                <a:latin typeface="Arial Black" panose="020B0A04020102020204" pitchFamily="34" charset="0"/>
+              </a:rPr>
+              <a:t>Week #1</a:t>
+            </a:r>
+          </a:p>
+        </p:txBody>
+      </p:sp>
+    </p:spTree>
+    <p:extLst>
+      <p:ext uri="{BB962C8B-B14F-4D97-AF65-F5344CB8AC3E}">
+        <p14:creationId xmlns:p14="http://schemas.microsoft.com/office/powerpoint/2010/main" val="1380376806"/>
+      </p:ext>
+    </p:extLst>
+  </p:cSld>
+  <p:clrMapOvr>
+    <a:masterClrMapping/>
+  </p:clrMapOvr>
+</p:sld>
+</file>
+
+<file path=ppt/slides/slide11.xml><?xml version="1.0" encoding="utf-8"?>
+<p:sld xmlns:a="http://schemas.openxmlformats.org/drawingml/2006/main" xmlns:r="http://schemas.openxmlformats.org/officeDocument/2006/relationships" xmlns:p="http://schemas.openxmlformats.org/presentationml/2006/main">
+  <p:cSld>
+    <p:spTree>
+      <p:nvGrpSpPr>
+        <p:cNvPr id="1" name="">
+          <a:extLst>
+            <a:ext uri="{FF2B5EF4-FFF2-40B4-BE49-F238E27FC236}">
+              <a16:creationId xmlns:a16="http://schemas.microsoft.com/office/drawing/2014/main" id="{12644108-2A31-6510-94E5-45B3916D318F}"/>
+            </a:ext>
+          </a:extLst>
+        </p:cNvPr>
+        <p:cNvGrpSpPr/>
+        <p:nvPr/>
+      </p:nvGrpSpPr>
+      <p:grpSpPr>
+        <a:xfrm>
+          <a:off x="0" y="0"/>
+          <a:ext cx="0" cy="0"/>
+          <a:chOff x="0" y="0"/>
+          <a:chExt cx="0" cy="0"/>
+        </a:xfrm>
+      </p:grpSpPr>
+      <p:pic>
+        <p:nvPicPr>
+          <p:cNvPr id="7" name="Picture 6">
+            <a:extLst>
+              <a:ext uri="{FF2B5EF4-FFF2-40B4-BE49-F238E27FC236}">
+                <a16:creationId xmlns:a16="http://schemas.microsoft.com/office/drawing/2014/main" id="{893227AE-6510-32D3-BB38-0D820A57CE4C}"/>
+              </a:ext>
+            </a:extLst>
+          </p:cNvPr>
+          <p:cNvPicPr>
+            <a:picLocks noChangeAspect="1"/>
+          </p:cNvPicPr>
+          <p:nvPr/>
+        </p:nvPicPr>
+        <p:blipFill>
+          <a:blip r:embed="rId2">
+            <a:extLst>
+              <a:ext uri="{28A0092B-C50C-407E-A947-70E740481C1C}">
+                <a14:useLocalDpi xmlns:a14="http://schemas.microsoft.com/office/drawing/2010/main" val="0"/>
+              </a:ext>
+            </a:extLst>
+          </a:blip>
+          <a:stretch>
+            <a:fillRect/>
+          </a:stretch>
+        </p:blipFill>
+        <p:spPr>
+          <a:xfrm>
+            <a:off x="0" y="4844958"/>
+            <a:ext cx="1915235" cy="1915235"/>
+          </a:xfrm>
+          <a:prstGeom prst="rect">
+            <a:avLst/>
+          </a:prstGeom>
+        </p:spPr>
+      </p:pic>
+      <p:sp>
+        <p:nvSpPr>
+          <p:cNvPr id="8" name="TextBox 7">
+            <a:extLst>
+              <a:ext uri="{FF2B5EF4-FFF2-40B4-BE49-F238E27FC236}">
+                <a16:creationId xmlns:a16="http://schemas.microsoft.com/office/drawing/2014/main" id="{9261B6D3-F008-5590-6911-77CF4DF5D8FC}"/>
+              </a:ext>
+            </a:extLst>
+          </p:cNvPr>
+          <p:cNvSpPr txBox="1"/>
+          <p:nvPr/>
+        </p:nvSpPr>
+        <p:spPr>
+          <a:xfrm>
+            <a:off x="9778558" y="259307"/>
+            <a:ext cx="2536272" cy="461665"/>
+          </a:xfrm>
+          <a:prstGeom prst="rect">
+            <a:avLst/>
+          </a:prstGeom>
+          <a:noFill/>
+        </p:spPr>
+        <p:txBody>
+          <a:bodyPr wrap="square" rtlCol="0">
+            <a:spAutoFit/>
+          </a:bodyPr>
+          <a:lstStyle/>
+          <a:p>
+            <a:r>
+              <a:rPr lang="en-US" sz="2400" b="1" dirty="0">
+                <a:solidFill>
+                  <a:schemeClr val="bg1"/>
+                </a:solidFill>
+                <a:latin typeface="Arial Black" panose="020B0A04020102020204" pitchFamily="34" charset="0"/>
+              </a:rPr>
+              <a:t>AI Academy</a:t>
+            </a:r>
+            <a:r>
+              <a:rPr lang="en-US" sz="2400" b="0" i="0" dirty="0">
+                <a:solidFill>
+                  <a:schemeClr val="bg1"/>
+                </a:solidFill>
+                <a:effectLst/>
+                <a:latin typeface="arial" panose="020B0604020202020204" pitchFamily="34" charset="0"/>
+              </a:rPr>
+              <a:t>®</a:t>
+            </a:r>
+            <a:endParaRPr lang="en-US" sz="2400" b="1" dirty="0">
+              <a:solidFill>
+                <a:schemeClr val="bg1"/>
+              </a:solidFill>
+              <a:latin typeface="Arial Black" panose="020B0A04020102020204" pitchFamily="34" charset="0"/>
+            </a:endParaRPr>
+          </a:p>
+        </p:txBody>
+      </p:sp>
+      <p:sp>
+        <p:nvSpPr>
+          <p:cNvPr id="13" name="Scroll: Vertical 12">
+            <a:extLst>
+              <a:ext uri="{FF2B5EF4-FFF2-40B4-BE49-F238E27FC236}">
+                <a16:creationId xmlns:a16="http://schemas.microsoft.com/office/drawing/2014/main" id="{3CF1C822-9414-86F2-BCB8-C6E871951834}"/>
+              </a:ext>
+            </a:extLst>
+          </p:cNvPr>
+          <p:cNvSpPr/>
+          <p:nvPr/>
+        </p:nvSpPr>
+        <p:spPr>
+          <a:xfrm>
+            <a:off x="10459839" y="887102"/>
+            <a:ext cx="1091821" cy="873457"/>
+          </a:xfrm>
+          <a:prstGeom prst="verticalScroll">
+            <a:avLst/>
+          </a:prstGeom>
+          <a:solidFill>
+            <a:schemeClr val="bg1"/>
+          </a:solidFill>
+        </p:spPr>
+        <p:style>
+          <a:lnRef idx="2">
+            <a:schemeClr val="accent1">
+              <a:shade val="15000"/>
+            </a:schemeClr>
+          </a:lnRef>
+          <a:fillRef idx="1">
+            <a:schemeClr val="accent1"/>
+          </a:fillRef>
+          <a:effectRef idx="0">
+            <a:schemeClr val="accent1"/>
+          </a:effectRef>
+          <a:fontRef idx="minor">
+            <a:schemeClr val="lt1"/>
+          </a:fontRef>
+        </p:style>
+        <p:txBody>
+          <a:bodyPr rtlCol="0" anchor="ctr"/>
+          <a:lstStyle/>
+          <a:p>
+            <a:pPr algn="ctr"/>
+            <a:r>
+              <a:rPr lang="en-US" sz="4400" b="1" dirty="0">
+                <a:solidFill>
+                  <a:schemeClr val="tx1"/>
+                </a:solidFill>
+              </a:rPr>
+              <a:t>11</a:t>
+            </a:r>
+          </a:p>
+        </p:txBody>
+      </p:sp>
+      <p:sp>
+        <p:nvSpPr>
+          <p:cNvPr id="4" name="TextBox 3">
+            <a:extLst>
+              <a:ext uri="{FF2B5EF4-FFF2-40B4-BE49-F238E27FC236}">
+                <a16:creationId xmlns:a16="http://schemas.microsoft.com/office/drawing/2014/main" id="{9AC3A5CA-5098-09CC-CA86-00A37D17B9E3}"/>
+              </a:ext>
+            </a:extLst>
+          </p:cNvPr>
+          <p:cNvSpPr txBox="1"/>
+          <p:nvPr/>
+        </p:nvSpPr>
+        <p:spPr>
+          <a:xfrm>
+            <a:off x="1109533" y="259307"/>
+            <a:ext cx="2559868" cy="707886"/>
+          </a:xfrm>
+          <a:prstGeom prst="rect">
+            <a:avLst/>
+          </a:prstGeom>
+          <a:noFill/>
+        </p:spPr>
+        <p:txBody>
+          <a:bodyPr wrap="none" rtlCol="0">
+            <a:spAutoFit/>
+          </a:bodyPr>
+          <a:lstStyle/>
+          <a:p>
+            <a:r>
+              <a:rPr lang="en-US" sz="4000" b="1" dirty="0">
+                <a:latin typeface="Arial Black" panose="020B0A04020102020204" pitchFamily="34" charset="0"/>
+              </a:rPr>
+              <a:t>Week #2</a:t>
+            </a:r>
+          </a:p>
+        </p:txBody>
+      </p:sp>
+      <p:sp>
+        <p:nvSpPr>
+          <p:cNvPr id="6" name="TextBox 5">
+            <a:extLst>
+              <a:ext uri="{FF2B5EF4-FFF2-40B4-BE49-F238E27FC236}">
+                <a16:creationId xmlns:a16="http://schemas.microsoft.com/office/drawing/2014/main" id="{8E579D63-20FA-93FC-4F82-6D76687FE01D}"/>
+              </a:ext>
+            </a:extLst>
+          </p:cNvPr>
+          <p:cNvSpPr txBox="1"/>
+          <p:nvPr/>
+        </p:nvSpPr>
+        <p:spPr>
+          <a:xfrm>
+            <a:off x="1109533" y="887102"/>
+            <a:ext cx="6859122" cy="584775"/>
+          </a:xfrm>
+          <a:prstGeom prst="rect">
+            <a:avLst/>
+          </a:prstGeom>
+          <a:noFill/>
+        </p:spPr>
+        <p:txBody>
+          <a:bodyPr wrap="none" rtlCol="0">
+            <a:spAutoFit/>
+          </a:bodyPr>
+          <a:lstStyle/>
+          <a:p>
+            <a:r>
+              <a:rPr lang="en-US" sz="3200" b="1" dirty="0">
+                <a:latin typeface="Times New Roman" panose="02020603050405020304" pitchFamily="18" charset="0"/>
+                <a:cs typeface="Times New Roman" panose="02020603050405020304" pitchFamily="18" charset="0"/>
+              </a:rPr>
+              <a:t>Dashboard Store Frontend Designing:</a:t>
+            </a:r>
+            <a:endParaRPr lang="en-PK" sz="3200" b="1" dirty="0">
+              <a:latin typeface="Times New Roman" panose="02020603050405020304" pitchFamily="18" charset="0"/>
+              <a:cs typeface="Times New Roman" panose="02020603050405020304" pitchFamily="18" charset="0"/>
+            </a:endParaRPr>
+          </a:p>
+        </p:txBody>
+      </p:sp>
+      <p:pic>
+        <p:nvPicPr>
+          <p:cNvPr id="3" name="Picture 2">
+            <a:extLst>
+              <a:ext uri="{FF2B5EF4-FFF2-40B4-BE49-F238E27FC236}">
+                <a16:creationId xmlns:a16="http://schemas.microsoft.com/office/drawing/2014/main" id="{CD496BE9-4AE2-C57A-8C52-7530A60741F8}"/>
+              </a:ext>
+            </a:extLst>
+          </p:cNvPr>
+          <p:cNvPicPr>
+            <a:picLocks noChangeAspect="1"/>
+          </p:cNvPicPr>
+          <p:nvPr/>
+        </p:nvPicPr>
+        <p:blipFill>
+          <a:blip r:embed="rId3"/>
+          <a:stretch>
+            <a:fillRect/>
+          </a:stretch>
+        </p:blipFill>
+        <p:spPr>
+          <a:xfrm>
+            <a:off x="1693889" y="1471877"/>
+            <a:ext cx="7875720" cy="3699730"/>
+          </a:xfrm>
+          <a:prstGeom prst="rect">
+            <a:avLst/>
+          </a:prstGeom>
+        </p:spPr>
+      </p:pic>
+    </p:spTree>
+    <p:extLst>
+      <p:ext uri="{BB962C8B-B14F-4D97-AF65-F5344CB8AC3E}">
+        <p14:creationId xmlns:p14="http://schemas.microsoft.com/office/powerpoint/2010/main" val="1397297813"/>
+      </p:ext>
+    </p:extLst>
+  </p:cSld>
+  <p:clrMapOvr>
+    <a:masterClrMapping/>
+  </p:clrMapOvr>
+</p:sld>
+</file>
+
+<file path=ppt/slides/slide12.xml><?xml version="1.0" encoding="utf-8"?>
+<p:sld xmlns:a="http://schemas.openxmlformats.org/drawingml/2006/main" xmlns:r="http://schemas.openxmlformats.org/officeDocument/2006/relationships" xmlns:p="http://schemas.openxmlformats.org/presentationml/2006/main">
+  <p:cSld>
+    <p:spTree>
+      <p:nvGrpSpPr>
+        <p:cNvPr id="1" name="">
+          <a:extLst>
+            <a:ext uri="{FF2B5EF4-FFF2-40B4-BE49-F238E27FC236}">
+              <a16:creationId xmlns:a16="http://schemas.microsoft.com/office/drawing/2014/main" id="{12644108-2A31-6510-94E5-45B3916D318F}"/>
+            </a:ext>
+          </a:extLst>
+        </p:cNvPr>
+        <p:cNvGrpSpPr/>
+        <p:nvPr/>
+      </p:nvGrpSpPr>
+      <p:grpSpPr>
+        <a:xfrm>
+          <a:off x="0" y="0"/>
+          <a:ext cx="0" cy="0"/>
+          <a:chOff x="0" y="0"/>
+          <a:chExt cx="0" cy="0"/>
+        </a:xfrm>
+      </p:grpSpPr>
+      <p:pic>
+        <p:nvPicPr>
+          <p:cNvPr id="7" name="Picture 6">
+            <a:extLst>
+              <a:ext uri="{FF2B5EF4-FFF2-40B4-BE49-F238E27FC236}">
+                <a16:creationId xmlns:a16="http://schemas.microsoft.com/office/drawing/2014/main" id="{893227AE-6510-32D3-BB38-0D820A57CE4C}"/>
+              </a:ext>
+            </a:extLst>
+          </p:cNvPr>
+          <p:cNvPicPr>
+            <a:picLocks noChangeAspect="1"/>
+          </p:cNvPicPr>
+          <p:nvPr/>
+        </p:nvPicPr>
+        <p:blipFill>
+          <a:blip r:embed="rId2">
+            <a:extLst>
+              <a:ext uri="{28A0092B-C50C-407E-A947-70E740481C1C}">
+                <a14:useLocalDpi xmlns:a14="http://schemas.microsoft.com/office/drawing/2010/main" val="0"/>
+              </a:ext>
+            </a:extLst>
+          </a:blip>
+          <a:stretch>
+            <a:fillRect/>
+          </a:stretch>
+        </p:blipFill>
+        <p:spPr>
+          <a:xfrm>
+            <a:off x="0" y="4844958"/>
+            <a:ext cx="1915235" cy="1915235"/>
+          </a:xfrm>
+          <a:prstGeom prst="rect">
+            <a:avLst/>
+          </a:prstGeom>
+        </p:spPr>
+      </p:pic>
+      <p:sp>
+        <p:nvSpPr>
+          <p:cNvPr id="8" name="TextBox 7">
+            <a:extLst>
+              <a:ext uri="{FF2B5EF4-FFF2-40B4-BE49-F238E27FC236}">
+                <a16:creationId xmlns:a16="http://schemas.microsoft.com/office/drawing/2014/main" id="{9261B6D3-F008-5590-6911-77CF4DF5D8FC}"/>
+              </a:ext>
+            </a:extLst>
+          </p:cNvPr>
+          <p:cNvSpPr txBox="1"/>
+          <p:nvPr/>
+        </p:nvSpPr>
+        <p:spPr>
+          <a:xfrm>
+            <a:off x="9778558" y="259307"/>
+            <a:ext cx="2536272" cy="461665"/>
+          </a:xfrm>
+          <a:prstGeom prst="rect">
+            <a:avLst/>
+          </a:prstGeom>
+          <a:noFill/>
+        </p:spPr>
+        <p:txBody>
+          <a:bodyPr wrap="square" rtlCol="0">
+            <a:spAutoFit/>
+          </a:bodyPr>
+          <a:lstStyle/>
+          <a:p>
+            <a:r>
+              <a:rPr lang="en-US" sz="2400" b="1" dirty="0">
+                <a:solidFill>
+                  <a:schemeClr val="bg1"/>
+                </a:solidFill>
+                <a:latin typeface="Arial Black" panose="020B0A04020102020204" pitchFamily="34" charset="0"/>
+              </a:rPr>
+              <a:t>AI Academy</a:t>
+            </a:r>
+            <a:r>
+              <a:rPr lang="en-US" sz="2400" b="0" i="0" dirty="0">
+                <a:solidFill>
+                  <a:schemeClr val="bg1"/>
+                </a:solidFill>
+                <a:effectLst/>
+                <a:latin typeface="arial" panose="020B0604020202020204" pitchFamily="34" charset="0"/>
+              </a:rPr>
+              <a:t>®</a:t>
+            </a:r>
+            <a:endParaRPr lang="en-US" sz="2400" b="1" dirty="0">
+              <a:solidFill>
+                <a:schemeClr val="bg1"/>
+              </a:solidFill>
+              <a:latin typeface="Arial Black" panose="020B0A04020102020204" pitchFamily="34" charset="0"/>
+            </a:endParaRPr>
+          </a:p>
+        </p:txBody>
+      </p:sp>
+      <p:sp>
+        <p:nvSpPr>
+          <p:cNvPr id="13" name="Scroll: Vertical 12">
+            <a:extLst>
+              <a:ext uri="{FF2B5EF4-FFF2-40B4-BE49-F238E27FC236}">
+                <a16:creationId xmlns:a16="http://schemas.microsoft.com/office/drawing/2014/main" id="{3CF1C822-9414-86F2-BCB8-C6E871951834}"/>
+              </a:ext>
+            </a:extLst>
+          </p:cNvPr>
+          <p:cNvSpPr/>
+          <p:nvPr/>
+        </p:nvSpPr>
+        <p:spPr>
+          <a:xfrm>
+            <a:off x="10459839" y="887102"/>
+            <a:ext cx="1091821" cy="873457"/>
+          </a:xfrm>
+          <a:prstGeom prst="verticalScroll">
+            <a:avLst/>
+          </a:prstGeom>
+          <a:solidFill>
+            <a:schemeClr val="bg1"/>
+          </a:solidFill>
+        </p:spPr>
+        <p:style>
+          <a:lnRef idx="2">
+            <a:schemeClr val="accent1">
+              <a:shade val="15000"/>
+            </a:schemeClr>
+          </a:lnRef>
+          <a:fillRef idx="1">
+            <a:schemeClr val="accent1"/>
+          </a:fillRef>
+          <a:effectRef idx="0">
+            <a:schemeClr val="accent1"/>
+          </a:effectRef>
+          <a:fontRef idx="minor">
+            <a:schemeClr val="lt1"/>
+          </a:fontRef>
+        </p:style>
+        <p:txBody>
+          <a:bodyPr rtlCol="0" anchor="ctr"/>
+          <a:lstStyle/>
+          <a:p>
+            <a:pPr algn="ctr"/>
+            <a:r>
+              <a:rPr lang="en-US" sz="4400" b="1" dirty="0">
+                <a:solidFill>
+                  <a:schemeClr val="tx1"/>
+                </a:solidFill>
+              </a:rPr>
+              <a:t>12</a:t>
+            </a:r>
+          </a:p>
+        </p:txBody>
+      </p:sp>
+      <p:sp>
+        <p:nvSpPr>
+          <p:cNvPr id="4" name="TextBox 3">
+            <a:extLst>
+              <a:ext uri="{FF2B5EF4-FFF2-40B4-BE49-F238E27FC236}">
+                <a16:creationId xmlns:a16="http://schemas.microsoft.com/office/drawing/2014/main" id="{9AC3A5CA-5098-09CC-CA86-00A37D17B9E3}"/>
+              </a:ext>
+            </a:extLst>
+          </p:cNvPr>
+          <p:cNvSpPr txBox="1"/>
+          <p:nvPr/>
+        </p:nvSpPr>
+        <p:spPr>
+          <a:xfrm>
+            <a:off x="1109533" y="259307"/>
+            <a:ext cx="2559868" cy="707886"/>
+          </a:xfrm>
+          <a:prstGeom prst="rect">
+            <a:avLst/>
+          </a:prstGeom>
+          <a:noFill/>
+        </p:spPr>
+        <p:txBody>
+          <a:bodyPr wrap="none" rtlCol="0">
+            <a:spAutoFit/>
+          </a:bodyPr>
+          <a:lstStyle/>
+          <a:p>
+            <a:r>
+              <a:rPr lang="en-US" sz="4000" b="1" dirty="0">
+                <a:latin typeface="Arial Black" panose="020B0A04020102020204" pitchFamily="34" charset="0"/>
+              </a:rPr>
+              <a:t>Week #2</a:t>
+            </a:r>
+          </a:p>
+        </p:txBody>
+      </p:sp>
+      <p:sp>
+        <p:nvSpPr>
+          <p:cNvPr id="6" name="TextBox 5">
+            <a:extLst>
+              <a:ext uri="{FF2B5EF4-FFF2-40B4-BE49-F238E27FC236}">
+                <a16:creationId xmlns:a16="http://schemas.microsoft.com/office/drawing/2014/main" id="{8E579D63-20FA-93FC-4F82-6D76687FE01D}"/>
+              </a:ext>
+            </a:extLst>
+          </p:cNvPr>
+          <p:cNvSpPr txBox="1"/>
+          <p:nvPr/>
+        </p:nvSpPr>
+        <p:spPr>
+          <a:xfrm>
+            <a:off x="1109533" y="887102"/>
+            <a:ext cx="6859122" cy="584775"/>
+          </a:xfrm>
+          <a:prstGeom prst="rect">
+            <a:avLst/>
+          </a:prstGeom>
+          <a:noFill/>
+        </p:spPr>
+        <p:txBody>
+          <a:bodyPr wrap="none" rtlCol="0">
+            <a:spAutoFit/>
+          </a:bodyPr>
+          <a:lstStyle/>
+          <a:p>
+            <a:r>
+              <a:rPr lang="en-US" sz="3200" b="1" dirty="0">
+                <a:latin typeface="Times New Roman" panose="02020603050405020304" pitchFamily="18" charset="0"/>
+                <a:cs typeface="Times New Roman" panose="02020603050405020304" pitchFamily="18" charset="0"/>
+              </a:rPr>
+              <a:t>Dashboard Store Frontend Designing:</a:t>
+            </a:r>
+            <a:endParaRPr lang="en-PK" sz="3200" b="1" dirty="0">
+              <a:latin typeface="Times New Roman" panose="02020603050405020304" pitchFamily="18" charset="0"/>
+              <a:cs typeface="Times New Roman" panose="02020603050405020304" pitchFamily="18" charset="0"/>
+            </a:endParaRPr>
+          </a:p>
+        </p:txBody>
+      </p:sp>
+      <p:pic>
+        <p:nvPicPr>
+          <p:cNvPr id="5" name="Picture 4">
+            <a:extLst>
+              <a:ext uri="{FF2B5EF4-FFF2-40B4-BE49-F238E27FC236}">
+                <a16:creationId xmlns:a16="http://schemas.microsoft.com/office/drawing/2014/main" id="{F6CF9623-DFEB-2670-A8A5-38CF36656AA8}"/>
+              </a:ext>
+            </a:extLst>
+          </p:cNvPr>
+          <p:cNvPicPr>
+            <a:picLocks noChangeAspect="1"/>
+          </p:cNvPicPr>
+          <p:nvPr/>
+        </p:nvPicPr>
+        <p:blipFill>
+          <a:blip r:embed="rId3"/>
+          <a:stretch>
+            <a:fillRect/>
+          </a:stretch>
+        </p:blipFill>
+        <p:spPr>
+          <a:xfrm>
+            <a:off x="1648917" y="1561817"/>
+            <a:ext cx="7850595" cy="3639769"/>
+          </a:xfrm>
+          <a:prstGeom prst="rect">
+            <a:avLst/>
+          </a:prstGeom>
+        </p:spPr>
+      </p:pic>
+    </p:spTree>
+    <p:extLst>
+      <p:ext uri="{BB962C8B-B14F-4D97-AF65-F5344CB8AC3E}">
+        <p14:creationId xmlns:p14="http://schemas.microsoft.com/office/powerpoint/2010/main" val="644262555"/>
+      </p:ext>
+    </p:extLst>
+  </p:cSld>
+  <p:clrMapOvr>
+    <a:masterClrMapping/>
+  </p:clrMapOvr>
+</p:sld>
+</file>
+
+<file path=ppt/slides/slide13.xml><?xml version="1.0" encoding="utf-8"?>
+<p:sld xmlns:a="http://schemas.openxmlformats.org/drawingml/2006/main" xmlns:r="http://schemas.openxmlformats.org/officeDocument/2006/relationships" xmlns:p="http://schemas.openxmlformats.org/presentationml/2006/main">
+  <p:cSld>
+    <p:spTree>
+      <p:nvGrpSpPr>
+        <p:cNvPr id="1" name="">
+          <a:extLst>
+            <a:ext uri="{FF2B5EF4-FFF2-40B4-BE49-F238E27FC236}">
+              <a16:creationId xmlns:a16="http://schemas.microsoft.com/office/drawing/2014/main" id="{12644108-2A31-6510-94E5-45B3916D318F}"/>
+            </a:ext>
+          </a:extLst>
+        </p:cNvPr>
+        <p:cNvGrpSpPr/>
+        <p:nvPr/>
+      </p:nvGrpSpPr>
+      <p:grpSpPr>
+        <a:xfrm>
+          <a:off x="0" y="0"/>
+          <a:ext cx="0" cy="0"/>
+          <a:chOff x="0" y="0"/>
+          <a:chExt cx="0" cy="0"/>
+        </a:xfrm>
+      </p:grpSpPr>
+      <p:pic>
+        <p:nvPicPr>
+          <p:cNvPr id="7" name="Picture 6">
+            <a:extLst>
+              <a:ext uri="{FF2B5EF4-FFF2-40B4-BE49-F238E27FC236}">
+                <a16:creationId xmlns:a16="http://schemas.microsoft.com/office/drawing/2014/main" id="{893227AE-6510-32D3-BB38-0D820A57CE4C}"/>
+              </a:ext>
+            </a:extLst>
+          </p:cNvPr>
+          <p:cNvPicPr>
+            <a:picLocks noChangeAspect="1"/>
+          </p:cNvPicPr>
+          <p:nvPr/>
+        </p:nvPicPr>
+        <p:blipFill>
+          <a:blip r:embed="rId2">
+            <a:extLst>
+              <a:ext uri="{28A0092B-C50C-407E-A947-70E740481C1C}">
+                <a14:useLocalDpi xmlns:a14="http://schemas.microsoft.com/office/drawing/2010/main" val="0"/>
+              </a:ext>
+            </a:extLst>
+          </a:blip>
+          <a:stretch>
+            <a:fillRect/>
+          </a:stretch>
+        </p:blipFill>
+        <p:spPr>
+          <a:xfrm>
+            <a:off x="0" y="4844958"/>
+            <a:ext cx="1915235" cy="1915235"/>
+          </a:xfrm>
+          <a:prstGeom prst="rect">
+            <a:avLst/>
+          </a:prstGeom>
+        </p:spPr>
+      </p:pic>
+      <p:sp>
+        <p:nvSpPr>
+          <p:cNvPr id="8" name="TextBox 7">
+            <a:extLst>
+              <a:ext uri="{FF2B5EF4-FFF2-40B4-BE49-F238E27FC236}">
+                <a16:creationId xmlns:a16="http://schemas.microsoft.com/office/drawing/2014/main" id="{9261B6D3-F008-5590-6911-77CF4DF5D8FC}"/>
+              </a:ext>
+            </a:extLst>
+          </p:cNvPr>
+          <p:cNvSpPr txBox="1"/>
+          <p:nvPr/>
+        </p:nvSpPr>
+        <p:spPr>
+          <a:xfrm>
+            <a:off x="9778558" y="259307"/>
+            <a:ext cx="2536272" cy="461665"/>
+          </a:xfrm>
+          <a:prstGeom prst="rect">
+            <a:avLst/>
+          </a:prstGeom>
+          <a:noFill/>
+        </p:spPr>
+        <p:txBody>
+          <a:bodyPr wrap="square" rtlCol="0">
+            <a:spAutoFit/>
+          </a:bodyPr>
+          <a:lstStyle/>
+          <a:p>
+            <a:r>
+              <a:rPr lang="en-US" sz="2400" b="1" dirty="0">
+                <a:solidFill>
+                  <a:schemeClr val="bg1"/>
+                </a:solidFill>
+                <a:latin typeface="Arial Black" panose="020B0A04020102020204" pitchFamily="34" charset="0"/>
+              </a:rPr>
+              <a:t>AI Academy</a:t>
+            </a:r>
+            <a:r>
+              <a:rPr lang="en-US" sz="2400" b="0" i="0" dirty="0">
+                <a:solidFill>
+                  <a:schemeClr val="bg1"/>
+                </a:solidFill>
+                <a:effectLst/>
+                <a:latin typeface="arial" panose="020B0604020202020204" pitchFamily="34" charset="0"/>
+              </a:rPr>
+              <a:t>®</a:t>
+            </a:r>
+            <a:endParaRPr lang="en-US" sz="2400" b="1" dirty="0">
+              <a:solidFill>
+                <a:schemeClr val="bg1"/>
+              </a:solidFill>
+              <a:latin typeface="Arial Black" panose="020B0A04020102020204" pitchFamily="34" charset="0"/>
+            </a:endParaRPr>
+          </a:p>
+        </p:txBody>
+      </p:sp>
+      <p:sp>
+        <p:nvSpPr>
+          <p:cNvPr id="13" name="Scroll: Vertical 12">
+            <a:extLst>
+              <a:ext uri="{FF2B5EF4-FFF2-40B4-BE49-F238E27FC236}">
+                <a16:creationId xmlns:a16="http://schemas.microsoft.com/office/drawing/2014/main" id="{3CF1C822-9414-86F2-BCB8-C6E871951834}"/>
+              </a:ext>
+            </a:extLst>
+          </p:cNvPr>
+          <p:cNvSpPr/>
+          <p:nvPr/>
+        </p:nvSpPr>
+        <p:spPr>
+          <a:xfrm>
+            <a:off x="10459839" y="887102"/>
+            <a:ext cx="1091821" cy="873457"/>
+          </a:xfrm>
+          <a:prstGeom prst="verticalScroll">
+            <a:avLst/>
+          </a:prstGeom>
+          <a:solidFill>
+            <a:schemeClr val="bg1"/>
+          </a:solidFill>
+        </p:spPr>
+        <p:style>
+          <a:lnRef idx="2">
+            <a:schemeClr val="accent1">
+              <a:shade val="15000"/>
+            </a:schemeClr>
+          </a:lnRef>
+          <a:fillRef idx="1">
+            <a:schemeClr val="accent1"/>
+          </a:fillRef>
+          <a:effectRef idx="0">
+            <a:schemeClr val="accent1"/>
+          </a:effectRef>
+          <a:fontRef idx="minor">
+            <a:schemeClr val="lt1"/>
+          </a:fontRef>
+        </p:style>
+        <p:txBody>
+          <a:bodyPr rtlCol="0" anchor="ctr"/>
+          <a:lstStyle/>
+          <a:p>
+            <a:pPr algn="ctr"/>
+            <a:r>
+              <a:rPr lang="en-US" sz="4400" b="1" dirty="0">
+                <a:solidFill>
+                  <a:schemeClr val="tx1"/>
+                </a:solidFill>
+              </a:rPr>
+              <a:t>13</a:t>
+            </a:r>
+          </a:p>
+        </p:txBody>
+      </p:sp>
+      <p:sp>
+        <p:nvSpPr>
+          <p:cNvPr id="4" name="TextBox 3">
+            <a:extLst>
+              <a:ext uri="{FF2B5EF4-FFF2-40B4-BE49-F238E27FC236}">
+                <a16:creationId xmlns:a16="http://schemas.microsoft.com/office/drawing/2014/main" id="{9AC3A5CA-5098-09CC-CA86-00A37D17B9E3}"/>
+              </a:ext>
+            </a:extLst>
+          </p:cNvPr>
+          <p:cNvSpPr txBox="1"/>
+          <p:nvPr/>
+        </p:nvSpPr>
+        <p:spPr>
+          <a:xfrm>
+            <a:off x="1109533" y="259307"/>
+            <a:ext cx="2559868" cy="707886"/>
+          </a:xfrm>
+          <a:prstGeom prst="rect">
+            <a:avLst/>
+          </a:prstGeom>
+          <a:noFill/>
+        </p:spPr>
+        <p:txBody>
+          <a:bodyPr wrap="none" rtlCol="0">
+            <a:spAutoFit/>
+          </a:bodyPr>
+          <a:lstStyle/>
+          <a:p>
+            <a:r>
+              <a:rPr lang="en-US" sz="4000" b="1" dirty="0">
+                <a:latin typeface="Arial Black" panose="020B0A04020102020204" pitchFamily="34" charset="0"/>
+              </a:rPr>
+              <a:t>Week #2</a:t>
+            </a:r>
+          </a:p>
+        </p:txBody>
+      </p:sp>
+      <p:sp>
+        <p:nvSpPr>
+          <p:cNvPr id="6" name="TextBox 5">
+            <a:extLst>
+              <a:ext uri="{FF2B5EF4-FFF2-40B4-BE49-F238E27FC236}">
+                <a16:creationId xmlns:a16="http://schemas.microsoft.com/office/drawing/2014/main" id="{8E579D63-20FA-93FC-4F82-6D76687FE01D}"/>
+              </a:ext>
+            </a:extLst>
+          </p:cNvPr>
+          <p:cNvSpPr txBox="1"/>
+          <p:nvPr/>
+        </p:nvSpPr>
+        <p:spPr>
+          <a:xfrm>
+            <a:off x="1109533" y="887102"/>
+            <a:ext cx="6859122" cy="584775"/>
+          </a:xfrm>
+          <a:prstGeom prst="rect">
+            <a:avLst/>
+          </a:prstGeom>
+          <a:noFill/>
+        </p:spPr>
+        <p:txBody>
+          <a:bodyPr wrap="none" rtlCol="0">
+            <a:spAutoFit/>
+          </a:bodyPr>
+          <a:lstStyle/>
+          <a:p>
+            <a:r>
+              <a:rPr lang="en-US" sz="3200" b="1" dirty="0">
+                <a:latin typeface="Times New Roman" panose="02020603050405020304" pitchFamily="18" charset="0"/>
+                <a:cs typeface="Times New Roman" panose="02020603050405020304" pitchFamily="18" charset="0"/>
+              </a:rPr>
+              <a:t>Dashboard Store Frontend Designing:</a:t>
+            </a:r>
+            <a:endParaRPr lang="en-PK" sz="3200" b="1" dirty="0">
+              <a:latin typeface="Times New Roman" panose="02020603050405020304" pitchFamily="18" charset="0"/>
+              <a:cs typeface="Times New Roman" panose="02020603050405020304" pitchFamily="18" charset="0"/>
+            </a:endParaRPr>
+          </a:p>
+        </p:txBody>
+      </p:sp>
+      <p:pic>
+        <p:nvPicPr>
+          <p:cNvPr id="5" name="Picture 4">
+            <a:extLst>
+              <a:ext uri="{FF2B5EF4-FFF2-40B4-BE49-F238E27FC236}">
+                <a16:creationId xmlns:a16="http://schemas.microsoft.com/office/drawing/2014/main" id="{412032BE-590A-C2A8-938D-9DC0DCB9DA48}"/>
+              </a:ext>
+            </a:extLst>
+          </p:cNvPr>
+          <p:cNvPicPr>
+            <a:picLocks noChangeAspect="1"/>
+          </p:cNvPicPr>
+          <p:nvPr/>
+        </p:nvPicPr>
+        <p:blipFill>
+          <a:blip r:embed="rId3"/>
+          <a:stretch>
+            <a:fillRect/>
+          </a:stretch>
+        </p:blipFill>
+        <p:spPr>
+          <a:xfrm>
+            <a:off x="1708880" y="1501856"/>
+            <a:ext cx="7845254" cy="3729711"/>
+          </a:xfrm>
+          <a:prstGeom prst="rect">
+            <a:avLst/>
+          </a:prstGeom>
+        </p:spPr>
+      </p:pic>
+    </p:spTree>
+    <p:extLst>
+      <p:ext uri="{BB962C8B-B14F-4D97-AF65-F5344CB8AC3E}">
+        <p14:creationId xmlns:p14="http://schemas.microsoft.com/office/powerpoint/2010/main" val="1169099730"/>
+      </p:ext>
+    </p:extLst>
+  </p:cSld>
+  <p:clrMapOvr>
+    <a:masterClrMapping/>
+  </p:clrMapOvr>
+</p:sld>
+</file>
+
+<file path=ppt/slides/slide14.xml><?xml version="1.0" encoding="utf-8"?>
+<p:sld xmlns:a="http://schemas.openxmlformats.org/drawingml/2006/main" xmlns:r="http://schemas.openxmlformats.org/officeDocument/2006/relationships" xmlns:p="http://schemas.openxmlformats.org/presentationml/2006/main">
+  <p:cSld>
+    <p:spTree>
+      <p:nvGrpSpPr>
+        <p:cNvPr id="1" name="">
+          <a:extLst>
+            <a:ext uri="{FF2B5EF4-FFF2-40B4-BE49-F238E27FC236}">
+              <a16:creationId xmlns:a16="http://schemas.microsoft.com/office/drawing/2014/main" id="{652BEC75-8F64-27B0-ADE2-1F5D13E29634}"/>
+            </a:ext>
+          </a:extLst>
+        </p:cNvPr>
+        <p:cNvGrpSpPr/>
+        <p:nvPr/>
+      </p:nvGrpSpPr>
+      <p:grpSpPr>
+        <a:xfrm>
+          <a:off x="0" y="0"/>
+          <a:ext cx="0" cy="0"/>
+          <a:chOff x="0" y="0"/>
+          <a:chExt cx="0" cy="0"/>
+        </a:xfrm>
+      </p:grpSpPr>
+      <p:pic>
+        <p:nvPicPr>
+          <p:cNvPr id="7" name="Picture 6">
+            <a:extLst>
+              <a:ext uri="{FF2B5EF4-FFF2-40B4-BE49-F238E27FC236}">
+                <a16:creationId xmlns:a16="http://schemas.microsoft.com/office/drawing/2014/main" id="{B3DF5A13-DECF-0731-C22C-C7D3001751F0}"/>
+              </a:ext>
+            </a:extLst>
+          </p:cNvPr>
+          <p:cNvPicPr>
+            <a:picLocks noChangeAspect="1"/>
+          </p:cNvPicPr>
+          <p:nvPr/>
+        </p:nvPicPr>
+        <p:blipFill>
+          <a:blip r:embed="rId2">
+            <a:extLst>
+              <a:ext uri="{28A0092B-C50C-407E-A947-70E740481C1C}">
+                <a14:useLocalDpi xmlns:a14="http://schemas.microsoft.com/office/drawing/2010/main" val="0"/>
+              </a:ext>
+            </a:extLst>
+          </a:blip>
+          <a:stretch>
+            <a:fillRect/>
+          </a:stretch>
+        </p:blipFill>
+        <p:spPr>
+          <a:xfrm>
+            <a:off x="0" y="4844958"/>
+            <a:ext cx="1915235" cy="1915235"/>
+          </a:xfrm>
+          <a:prstGeom prst="rect">
+            <a:avLst/>
+          </a:prstGeom>
+        </p:spPr>
+      </p:pic>
+      <p:sp>
+        <p:nvSpPr>
+          <p:cNvPr id="8" name="TextBox 7">
+            <a:extLst>
+              <a:ext uri="{FF2B5EF4-FFF2-40B4-BE49-F238E27FC236}">
+                <a16:creationId xmlns:a16="http://schemas.microsoft.com/office/drawing/2014/main" id="{45C8D167-2F03-8954-57F8-08F53482CFA9}"/>
+              </a:ext>
+            </a:extLst>
+          </p:cNvPr>
+          <p:cNvSpPr txBox="1"/>
+          <p:nvPr/>
+        </p:nvSpPr>
+        <p:spPr>
+          <a:xfrm>
+            <a:off x="9778558" y="259307"/>
+            <a:ext cx="2536272" cy="461665"/>
+          </a:xfrm>
+          <a:prstGeom prst="rect">
+            <a:avLst/>
+          </a:prstGeom>
+          <a:noFill/>
+        </p:spPr>
+        <p:txBody>
+          <a:bodyPr wrap="square" rtlCol="0">
+            <a:spAutoFit/>
+          </a:bodyPr>
+          <a:lstStyle/>
+          <a:p>
+            <a:r>
+              <a:rPr lang="en-US" sz="2400" b="1" dirty="0">
+                <a:solidFill>
+                  <a:schemeClr val="bg1"/>
+                </a:solidFill>
+                <a:latin typeface="Arial Black" panose="020B0A04020102020204" pitchFamily="34" charset="0"/>
+              </a:rPr>
+              <a:t>AI Academy</a:t>
+            </a:r>
+            <a:r>
+              <a:rPr lang="en-US" sz="2400" b="0" i="0" dirty="0">
+                <a:solidFill>
+                  <a:schemeClr val="bg1"/>
+                </a:solidFill>
+                <a:effectLst/>
+                <a:latin typeface="arial" panose="020B0604020202020204" pitchFamily="34" charset="0"/>
+              </a:rPr>
+              <a:t>®</a:t>
+            </a:r>
+            <a:endParaRPr lang="en-US" sz="2400" b="1" dirty="0">
+              <a:solidFill>
+                <a:schemeClr val="bg1"/>
+              </a:solidFill>
+              <a:latin typeface="Arial Black" panose="020B0A04020102020204" pitchFamily="34" charset="0"/>
+            </a:endParaRPr>
+          </a:p>
+        </p:txBody>
+      </p:sp>
+      <p:sp>
+        <p:nvSpPr>
+          <p:cNvPr id="13" name="Scroll: Vertical 12">
+            <a:extLst>
+              <a:ext uri="{FF2B5EF4-FFF2-40B4-BE49-F238E27FC236}">
+                <a16:creationId xmlns:a16="http://schemas.microsoft.com/office/drawing/2014/main" id="{F936E3B0-6762-A2D4-C8F8-BCC3A7F97715}"/>
+              </a:ext>
+            </a:extLst>
+          </p:cNvPr>
+          <p:cNvSpPr/>
+          <p:nvPr/>
+        </p:nvSpPr>
+        <p:spPr>
+          <a:xfrm>
+            <a:off x="10459839" y="887102"/>
+            <a:ext cx="1091821" cy="873457"/>
+          </a:xfrm>
+          <a:prstGeom prst="verticalScroll">
+            <a:avLst/>
+          </a:prstGeom>
+          <a:solidFill>
+            <a:schemeClr val="bg1"/>
+          </a:solidFill>
+        </p:spPr>
+        <p:style>
+          <a:lnRef idx="2">
+            <a:schemeClr val="accent1">
+              <a:shade val="15000"/>
+            </a:schemeClr>
+          </a:lnRef>
+          <a:fillRef idx="1">
+            <a:schemeClr val="accent1"/>
+          </a:fillRef>
+          <a:effectRef idx="0">
+            <a:schemeClr val="accent1"/>
+          </a:effectRef>
+          <a:fontRef idx="minor">
+            <a:schemeClr val="lt1"/>
+          </a:fontRef>
+        </p:style>
+        <p:txBody>
+          <a:bodyPr rtlCol="0" anchor="ctr"/>
+          <a:lstStyle/>
+          <a:p>
+            <a:pPr algn="ctr"/>
+            <a:r>
+              <a:rPr lang="en-US" sz="4400" b="1" dirty="0">
+                <a:solidFill>
+                  <a:schemeClr val="tx1"/>
+                </a:solidFill>
+              </a:rPr>
+              <a:t>14</a:t>
+            </a:r>
+          </a:p>
+        </p:txBody>
+      </p:sp>
+      <p:sp>
+        <p:nvSpPr>
+          <p:cNvPr id="2" name="TextBox 1">
+            <a:extLst>
+              <a:ext uri="{FF2B5EF4-FFF2-40B4-BE49-F238E27FC236}">
+                <a16:creationId xmlns:a16="http://schemas.microsoft.com/office/drawing/2014/main" id="{3EA93B23-D028-2C29-1E1D-619113B66116}"/>
+              </a:ext>
+            </a:extLst>
+          </p:cNvPr>
+          <p:cNvSpPr txBox="1"/>
+          <p:nvPr/>
+        </p:nvSpPr>
+        <p:spPr>
+          <a:xfrm>
+            <a:off x="1915235" y="1255590"/>
+            <a:ext cx="7896714" cy="4077526"/>
+          </a:xfrm>
+          <a:prstGeom prst="rect">
+            <a:avLst/>
+          </a:prstGeom>
+          <a:noFill/>
+        </p:spPr>
+        <p:txBody>
+          <a:bodyPr wrap="none" rtlCol="0">
+            <a:spAutoFit/>
+          </a:bodyPr>
+          <a:lstStyle/>
+          <a:p>
+            <a:pPr marL="285750" indent="-285750">
+              <a:lnSpc>
+                <a:spcPct val="150000"/>
+              </a:lnSpc>
+              <a:buFont typeface="Wingdings" panose="05000000000000000000" pitchFamily="2" charset="2"/>
+              <a:buChar char="Ø"/>
+            </a:pPr>
+            <a:r>
+              <a:rPr lang="en-US" sz="3600" b="1" dirty="0">
+                <a:latin typeface="Times New Roman" panose="02020603050405020304" pitchFamily="18" charset="0"/>
+                <a:cs typeface="Times New Roman" panose="02020603050405020304" pitchFamily="18" charset="0"/>
+              </a:rPr>
+              <a:t>Day 5:</a:t>
+            </a:r>
+          </a:p>
+          <a:p>
+            <a:pPr marL="1485900" lvl="2" indent="-571500">
+              <a:lnSpc>
+                <a:spcPct val="150000"/>
+              </a:lnSpc>
+              <a:buFont typeface="+mj-lt"/>
+              <a:buAutoNum type="romanUcPeriod"/>
+            </a:pPr>
+            <a:r>
+              <a:rPr lang="en-US" sz="2800" dirty="0">
+                <a:latin typeface="Times New Roman" panose="02020603050405020304" pitchFamily="18" charset="0"/>
+                <a:cs typeface="Times New Roman" panose="02020603050405020304" pitchFamily="18" charset="0"/>
+              </a:rPr>
+              <a:t>Overview Marking tools for Shopify Store</a:t>
+            </a:r>
+          </a:p>
+          <a:p>
+            <a:pPr marL="1485900" lvl="2" indent="-571500">
+              <a:lnSpc>
+                <a:spcPct val="150000"/>
+              </a:lnSpc>
+              <a:buFont typeface="+mj-lt"/>
+              <a:buAutoNum type="romanUcPeriod"/>
+            </a:pPr>
+            <a:r>
+              <a:rPr lang="en-US" sz="2800" dirty="0">
+                <a:latin typeface="Times New Roman" panose="02020603050405020304" pitchFamily="18" charset="0"/>
+                <a:cs typeface="Times New Roman" panose="02020603050405020304" pitchFamily="18" charset="0"/>
+              </a:rPr>
+              <a:t>Explanation Offers</a:t>
+            </a:r>
+          </a:p>
+          <a:p>
+            <a:pPr marL="1943100" lvl="3" indent="-571500">
+              <a:lnSpc>
+                <a:spcPct val="150000"/>
+              </a:lnSpc>
+              <a:buFont typeface="Arial" panose="020B0604020202020204" pitchFamily="34" charset="0"/>
+              <a:buChar char="•"/>
+            </a:pPr>
+            <a:r>
+              <a:rPr lang="en-US" sz="2800" dirty="0">
+                <a:latin typeface="Times New Roman" panose="02020603050405020304" pitchFamily="18" charset="0"/>
+                <a:cs typeface="Times New Roman" panose="02020603050405020304" pitchFamily="18" charset="0"/>
+              </a:rPr>
+              <a:t>Promotions, discounts and Sponsoring</a:t>
+            </a:r>
+          </a:p>
+          <a:p>
+            <a:pPr marL="1485900" lvl="2" indent="-571500">
+              <a:lnSpc>
+                <a:spcPct val="150000"/>
+              </a:lnSpc>
+              <a:buFont typeface="+mj-lt"/>
+              <a:buAutoNum type="romanUcPeriod"/>
+            </a:pPr>
+            <a:r>
+              <a:rPr lang="en-US" sz="2800" dirty="0">
+                <a:latin typeface="Times New Roman" panose="02020603050405020304" pitchFamily="18" charset="0"/>
+                <a:cs typeface="Times New Roman" panose="02020603050405020304" pitchFamily="18" charset="0"/>
+              </a:rPr>
+              <a:t>Inquiries and managing Orders</a:t>
+            </a:r>
+          </a:p>
+          <a:p>
+            <a:pPr marL="1485900" lvl="2" indent="-571500">
+              <a:lnSpc>
+                <a:spcPct val="150000"/>
+              </a:lnSpc>
+              <a:buFont typeface="+mj-lt"/>
+              <a:buAutoNum type="romanUcPeriod"/>
+            </a:pPr>
+            <a:r>
+              <a:rPr lang="en-US" sz="2800" dirty="0">
+                <a:latin typeface="Times New Roman" panose="02020603050405020304" pitchFamily="18" charset="0"/>
+                <a:cs typeface="Times New Roman" panose="02020603050405020304" pitchFamily="18" charset="0"/>
+              </a:rPr>
+              <a:t>Review Inquiries and discussion</a:t>
+            </a:r>
+          </a:p>
+        </p:txBody>
+      </p:sp>
+      <p:sp>
+        <p:nvSpPr>
+          <p:cNvPr id="3" name="TextBox 2">
+            <a:extLst>
+              <a:ext uri="{FF2B5EF4-FFF2-40B4-BE49-F238E27FC236}">
+                <a16:creationId xmlns:a16="http://schemas.microsoft.com/office/drawing/2014/main" id="{13C7E109-1AAC-B21C-32DB-130CCA25A7A2}"/>
+              </a:ext>
+            </a:extLst>
+          </p:cNvPr>
+          <p:cNvSpPr txBox="1"/>
+          <p:nvPr/>
+        </p:nvSpPr>
+        <p:spPr>
+          <a:xfrm>
+            <a:off x="1109533" y="259307"/>
+            <a:ext cx="2559868" cy="707886"/>
+          </a:xfrm>
+          <a:prstGeom prst="rect">
+            <a:avLst/>
+          </a:prstGeom>
+          <a:noFill/>
+        </p:spPr>
+        <p:txBody>
+          <a:bodyPr wrap="none" rtlCol="0">
+            <a:spAutoFit/>
+          </a:bodyPr>
+          <a:lstStyle/>
+          <a:p>
+            <a:r>
+              <a:rPr lang="en-US" sz="4000" b="1" dirty="0">
+                <a:latin typeface="Arial Black" panose="020B0A04020102020204" pitchFamily="34" charset="0"/>
+              </a:rPr>
+              <a:t>Week #1</a:t>
+            </a:r>
+          </a:p>
+        </p:txBody>
+      </p:sp>
+    </p:spTree>
+    <p:extLst>
+      <p:ext uri="{BB962C8B-B14F-4D97-AF65-F5344CB8AC3E}">
+        <p14:creationId xmlns:p14="http://schemas.microsoft.com/office/powerpoint/2010/main" val="4159704293"/>
+      </p:ext>
+    </p:extLst>
+  </p:cSld>
+  <p:clrMapOvr>
+    <a:masterClrMapping/>
+  </p:clrMapOvr>
+</p:sld>
+</file>
+
+<file path=ppt/slides/slide15.xml><?xml version="1.0" encoding="utf-8"?>
+<p:sld xmlns:a="http://schemas.openxmlformats.org/drawingml/2006/main" xmlns:r="http://schemas.openxmlformats.org/officeDocument/2006/relationships" xmlns:p="http://schemas.openxmlformats.org/presentationml/2006/main">
+  <p:cSld>
+    <p:spTree>
+      <p:nvGrpSpPr>
+        <p:cNvPr id="1" name="">
+          <a:extLst>
+            <a:ext uri="{FF2B5EF4-FFF2-40B4-BE49-F238E27FC236}">
+              <a16:creationId xmlns:a16="http://schemas.microsoft.com/office/drawing/2014/main" id="{12644108-2A31-6510-94E5-45B3916D318F}"/>
+            </a:ext>
+          </a:extLst>
+        </p:cNvPr>
+        <p:cNvGrpSpPr/>
+        <p:nvPr/>
+      </p:nvGrpSpPr>
+      <p:grpSpPr>
+        <a:xfrm>
+          <a:off x="0" y="0"/>
+          <a:ext cx="0" cy="0"/>
+          <a:chOff x="0" y="0"/>
+          <a:chExt cx="0" cy="0"/>
+        </a:xfrm>
+      </p:grpSpPr>
+      <p:pic>
+        <p:nvPicPr>
+          <p:cNvPr id="7" name="Picture 6">
+            <a:extLst>
+              <a:ext uri="{FF2B5EF4-FFF2-40B4-BE49-F238E27FC236}">
+                <a16:creationId xmlns:a16="http://schemas.microsoft.com/office/drawing/2014/main" id="{893227AE-6510-32D3-BB38-0D820A57CE4C}"/>
+              </a:ext>
+            </a:extLst>
+          </p:cNvPr>
+          <p:cNvPicPr>
+            <a:picLocks noChangeAspect="1"/>
+          </p:cNvPicPr>
+          <p:nvPr/>
+        </p:nvPicPr>
+        <p:blipFill>
+          <a:blip r:embed="rId2">
+            <a:extLst>
+              <a:ext uri="{28A0092B-C50C-407E-A947-70E740481C1C}">
+                <a14:useLocalDpi xmlns:a14="http://schemas.microsoft.com/office/drawing/2010/main" val="0"/>
+              </a:ext>
+            </a:extLst>
+          </a:blip>
+          <a:stretch>
+            <a:fillRect/>
+          </a:stretch>
+        </p:blipFill>
+        <p:spPr>
+          <a:xfrm>
+            <a:off x="0" y="4844958"/>
+            <a:ext cx="1915235" cy="1915235"/>
+          </a:xfrm>
+          <a:prstGeom prst="rect">
+            <a:avLst/>
+          </a:prstGeom>
+        </p:spPr>
+      </p:pic>
+      <p:sp>
+        <p:nvSpPr>
+          <p:cNvPr id="8" name="TextBox 7">
+            <a:extLst>
+              <a:ext uri="{FF2B5EF4-FFF2-40B4-BE49-F238E27FC236}">
+                <a16:creationId xmlns:a16="http://schemas.microsoft.com/office/drawing/2014/main" id="{9261B6D3-F008-5590-6911-77CF4DF5D8FC}"/>
+              </a:ext>
+            </a:extLst>
+          </p:cNvPr>
+          <p:cNvSpPr txBox="1"/>
+          <p:nvPr/>
+        </p:nvSpPr>
+        <p:spPr>
+          <a:xfrm>
+            <a:off x="9778558" y="259307"/>
+            <a:ext cx="2536272" cy="461665"/>
+          </a:xfrm>
+          <a:prstGeom prst="rect">
+            <a:avLst/>
+          </a:prstGeom>
+          <a:noFill/>
+        </p:spPr>
+        <p:txBody>
+          <a:bodyPr wrap="square" rtlCol="0">
+            <a:spAutoFit/>
+          </a:bodyPr>
+          <a:lstStyle/>
+          <a:p>
+            <a:r>
+              <a:rPr lang="en-US" sz="2400" b="1" dirty="0">
+                <a:solidFill>
+                  <a:schemeClr val="bg1"/>
+                </a:solidFill>
+                <a:latin typeface="Arial Black" panose="020B0A04020102020204" pitchFamily="34" charset="0"/>
+              </a:rPr>
+              <a:t>AI Academy</a:t>
+            </a:r>
+            <a:r>
+              <a:rPr lang="en-US" sz="2400" b="0" i="0" dirty="0">
+                <a:solidFill>
+                  <a:schemeClr val="bg1"/>
+                </a:solidFill>
+                <a:effectLst/>
+                <a:latin typeface="arial" panose="020B0604020202020204" pitchFamily="34" charset="0"/>
+              </a:rPr>
+              <a:t>®</a:t>
+            </a:r>
+            <a:endParaRPr lang="en-US" sz="2400" b="1" dirty="0">
+              <a:solidFill>
+                <a:schemeClr val="bg1"/>
+              </a:solidFill>
+              <a:latin typeface="Arial Black" panose="020B0A04020102020204" pitchFamily="34" charset="0"/>
+            </a:endParaRPr>
+          </a:p>
+        </p:txBody>
+      </p:sp>
+      <p:sp>
+        <p:nvSpPr>
+          <p:cNvPr id="13" name="Scroll: Vertical 12">
+            <a:extLst>
+              <a:ext uri="{FF2B5EF4-FFF2-40B4-BE49-F238E27FC236}">
+                <a16:creationId xmlns:a16="http://schemas.microsoft.com/office/drawing/2014/main" id="{3CF1C822-9414-86F2-BCB8-C6E871951834}"/>
+              </a:ext>
+            </a:extLst>
+          </p:cNvPr>
+          <p:cNvSpPr/>
+          <p:nvPr/>
+        </p:nvSpPr>
+        <p:spPr>
+          <a:xfrm>
+            <a:off x="10459839" y="887102"/>
+            <a:ext cx="1091821" cy="873457"/>
+          </a:xfrm>
+          <a:prstGeom prst="verticalScroll">
+            <a:avLst/>
+          </a:prstGeom>
+          <a:solidFill>
+            <a:schemeClr val="bg1"/>
+          </a:solidFill>
+        </p:spPr>
+        <p:style>
+          <a:lnRef idx="2">
+            <a:schemeClr val="accent1">
+              <a:shade val="15000"/>
+            </a:schemeClr>
+          </a:lnRef>
+          <a:fillRef idx="1">
+            <a:schemeClr val="accent1"/>
+          </a:fillRef>
+          <a:effectRef idx="0">
+            <a:schemeClr val="accent1"/>
+          </a:effectRef>
+          <a:fontRef idx="minor">
+            <a:schemeClr val="lt1"/>
+          </a:fontRef>
+        </p:style>
+        <p:txBody>
+          <a:bodyPr rtlCol="0" anchor="ctr"/>
+          <a:lstStyle/>
+          <a:p>
+            <a:pPr algn="ctr"/>
+            <a:r>
+              <a:rPr lang="en-US" sz="4400" b="1" dirty="0">
+                <a:solidFill>
+                  <a:schemeClr val="tx1"/>
+                </a:solidFill>
+              </a:rPr>
+              <a:t>15</a:t>
+            </a:r>
+          </a:p>
+        </p:txBody>
+      </p:sp>
+      <p:sp>
+        <p:nvSpPr>
+          <p:cNvPr id="4" name="TextBox 3">
+            <a:extLst>
+              <a:ext uri="{FF2B5EF4-FFF2-40B4-BE49-F238E27FC236}">
+                <a16:creationId xmlns:a16="http://schemas.microsoft.com/office/drawing/2014/main" id="{9AC3A5CA-5098-09CC-CA86-00A37D17B9E3}"/>
+              </a:ext>
+            </a:extLst>
+          </p:cNvPr>
+          <p:cNvSpPr txBox="1"/>
+          <p:nvPr/>
+        </p:nvSpPr>
+        <p:spPr>
+          <a:xfrm>
+            <a:off x="1109533" y="259307"/>
+            <a:ext cx="2559868" cy="707886"/>
+          </a:xfrm>
+          <a:prstGeom prst="rect">
+            <a:avLst/>
+          </a:prstGeom>
+          <a:noFill/>
+        </p:spPr>
+        <p:txBody>
+          <a:bodyPr wrap="none" rtlCol="0">
+            <a:spAutoFit/>
+          </a:bodyPr>
+          <a:lstStyle/>
+          <a:p>
+            <a:r>
+              <a:rPr lang="en-US" sz="4000" b="1" dirty="0">
+                <a:latin typeface="Arial Black" panose="020B0A04020102020204" pitchFamily="34" charset="0"/>
+              </a:rPr>
+              <a:t>Week #2</a:t>
+            </a:r>
+          </a:p>
+        </p:txBody>
+      </p:sp>
+      <p:sp>
+        <p:nvSpPr>
+          <p:cNvPr id="6" name="TextBox 5">
+            <a:extLst>
+              <a:ext uri="{FF2B5EF4-FFF2-40B4-BE49-F238E27FC236}">
+                <a16:creationId xmlns:a16="http://schemas.microsoft.com/office/drawing/2014/main" id="{8E579D63-20FA-93FC-4F82-6D76687FE01D}"/>
+              </a:ext>
+            </a:extLst>
+          </p:cNvPr>
+          <p:cNvSpPr txBox="1"/>
+          <p:nvPr/>
+        </p:nvSpPr>
+        <p:spPr>
+          <a:xfrm>
+            <a:off x="1109533" y="887102"/>
+            <a:ext cx="6364819" cy="584775"/>
+          </a:xfrm>
+          <a:prstGeom prst="rect">
+            <a:avLst/>
+          </a:prstGeom>
+          <a:noFill/>
+        </p:spPr>
+        <p:txBody>
+          <a:bodyPr wrap="none" rtlCol="0">
+            <a:spAutoFit/>
+          </a:bodyPr>
+          <a:lstStyle/>
+          <a:p>
+            <a:r>
+              <a:rPr lang="en-US" sz="3200" b="1" dirty="0">
+                <a:latin typeface="Times New Roman" panose="02020603050405020304" pitchFamily="18" charset="0"/>
+                <a:cs typeface="Times New Roman" panose="02020603050405020304" pitchFamily="18" charset="0"/>
+              </a:rPr>
+              <a:t>Dashboard Offers and Promotions:</a:t>
+            </a:r>
+            <a:endParaRPr lang="en-PK" sz="3200" b="1" dirty="0">
+              <a:latin typeface="Times New Roman" panose="02020603050405020304" pitchFamily="18" charset="0"/>
+              <a:cs typeface="Times New Roman" panose="02020603050405020304" pitchFamily="18" charset="0"/>
+            </a:endParaRPr>
+          </a:p>
+        </p:txBody>
+      </p:sp>
+      <p:pic>
+        <p:nvPicPr>
+          <p:cNvPr id="3" name="Picture 2">
+            <a:extLst>
+              <a:ext uri="{FF2B5EF4-FFF2-40B4-BE49-F238E27FC236}">
+                <a16:creationId xmlns:a16="http://schemas.microsoft.com/office/drawing/2014/main" id="{3C2B37CA-EC57-F31A-2798-28907682050D}"/>
+              </a:ext>
+            </a:extLst>
+          </p:cNvPr>
+          <p:cNvPicPr>
+            <a:picLocks noChangeAspect="1"/>
+          </p:cNvPicPr>
+          <p:nvPr/>
+        </p:nvPicPr>
+        <p:blipFill>
+          <a:blip r:embed="rId3"/>
+          <a:stretch>
+            <a:fillRect/>
+          </a:stretch>
+        </p:blipFill>
+        <p:spPr>
+          <a:xfrm>
+            <a:off x="1663907" y="1516846"/>
+            <a:ext cx="7874317" cy="3684739"/>
+          </a:xfrm>
+          <a:prstGeom prst="rect">
+            <a:avLst/>
+          </a:prstGeom>
+        </p:spPr>
+      </p:pic>
+    </p:spTree>
+    <p:extLst>
+      <p:ext uri="{BB962C8B-B14F-4D97-AF65-F5344CB8AC3E}">
+        <p14:creationId xmlns:p14="http://schemas.microsoft.com/office/powerpoint/2010/main" val="999013137"/>
+      </p:ext>
+    </p:extLst>
+  </p:cSld>
+  <p:clrMapOvr>
+    <a:masterClrMapping/>
+  </p:clrMapOvr>
+</p:sld>
+</file>
+
+<file path=ppt/slides/slide16.xml><?xml version="1.0" encoding="utf-8"?>
+<p:sld xmlns:a="http://schemas.openxmlformats.org/drawingml/2006/main" xmlns:r="http://schemas.openxmlformats.org/officeDocument/2006/relationships" xmlns:p="http://schemas.openxmlformats.org/presentationml/2006/main">
+  <p:cSld>
+    <p:spTree>
+      <p:nvGrpSpPr>
+        <p:cNvPr id="1" name="">
+          <a:extLst>
+            <a:ext uri="{FF2B5EF4-FFF2-40B4-BE49-F238E27FC236}">
+              <a16:creationId xmlns:a16="http://schemas.microsoft.com/office/drawing/2014/main" id="{12644108-2A31-6510-94E5-45B3916D318F}"/>
+            </a:ext>
+          </a:extLst>
+        </p:cNvPr>
+        <p:cNvGrpSpPr/>
+        <p:nvPr/>
+      </p:nvGrpSpPr>
+      <p:grpSpPr>
+        <a:xfrm>
+          <a:off x="0" y="0"/>
+          <a:ext cx="0" cy="0"/>
+          <a:chOff x="0" y="0"/>
+          <a:chExt cx="0" cy="0"/>
+        </a:xfrm>
+      </p:grpSpPr>
+      <p:pic>
+        <p:nvPicPr>
+          <p:cNvPr id="7" name="Picture 6">
+            <a:extLst>
+              <a:ext uri="{FF2B5EF4-FFF2-40B4-BE49-F238E27FC236}">
+                <a16:creationId xmlns:a16="http://schemas.microsoft.com/office/drawing/2014/main" id="{893227AE-6510-32D3-BB38-0D820A57CE4C}"/>
+              </a:ext>
+            </a:extLst>
+          </p:cNvPr>
+          <p:cNvPicPr>
+            <a:picLocks noChangeAspect="1"/>
+          </p:cNvPicPr>
+          <p:nvPr/>
+        </p:nvPicPr>
+        <p:blipFill>
+          <a:blip r:embed="rId2">
+            <a:extLst>
+              <a:ext uri="{28A0092B-C50C-407E-A947-70E740481C1C}">
+                <a14:useLocalDpi xmlns:a14="http://schemas.microsoft.com/office/drawing/2010/main" val="0"/>
+              </a:ext>
+            </a:extLst>
+          </a:blip>
+          <a:stretch>
+            <a:fillRect/>
+          </a:stretch>
+        </p:blipFill>
+        <p:spPr>
+          <a:xfrm>
+            <a:off x="0" y="4844958"/>
+            <a:ext cx="1915235" cy="1915235"/>
+          </a:xfrm>
+          <a:prstGeom prst="rect">
+            <a:avLst/>
+          </a:prstGeom>
+        </p:spPr>
+      </p:pic>
+      <p:sp>
+        <p:nvSpPr>
+          <p:cNvPr id="8" name="TextBox 7">
+            <a:extLst>
+              <a:ext uri="{FF2B5EF4-FFF2-40B4-BE49-F238E27FC236}">
+                <a16:creationId xmlns:a16="http://schemas.microsoft.com/office/drawing/2014/main" id="{9261B6D3-F008-5590-6911-77CF4DF5D8FC}"/>
+              </a:ext>
+            </a:extLst>
+          </p:cNvPr>
+          <p:cNvSpPr txBox="1"/>
+          <p:nvPr/>
+        </p:nvSpPr>
+        <p:spPr>
+          <a:xfrm>
+            <a:off x="9778558" y="259307"/>
+            <a:ext cx="2536272" cy="461665"/>
+          </a:xfrm>
+          <a:prstGeom prst="rect">
+            <a:avLst/>
+          </a:prstGeom>
+          <a:noFill/>
+        </p:spPr>
+        <p:txBody>
+          <a:bodyPr wrap="square" rtlCol="0">
+            <a:spAutoFit/>
+          </a:bodyPr>
+          <a:lstStyle/>
+          <a:p>
+            <a:r>
+              <a:rPr lang="en-US" sz="2400" b="1" dirty="0">
+                <a:solidFill>
+                  <a:schemeClr val="bg1"/>
+                </a:solidFill>
+                <a:latin typeface="Arial Black" panose="020B0A04020102020204" pitchFamily="34" charset="0"/>
+              </a:rPr>
+              <a:t>AI Academy</a:t>
+            </a:r>
+            <a:r>
+              <a:rPr lang="en-US" sz="2400" b="0" i="0" dirty="0">
+                <a:solidFill>
+                  <a:schemeClr val="bg1"/>
+                </a:solidFill>
+                <a:effectLst/>
+                <a:latin typeface="arial" panose="020B0604020202020204" pitchFamily="34" charset="0"/>
+              </a:rPr>
+              <a:t>®</a:t>
+            </a:r>
+            <a:endParaRPr lang="en-US" sz="2400" b="1" dirty="0">
+              <a:solidFill>
+                <a:schemeClr val="bg1"/>
+              </a:solidFill>
+              <a:latin typeface="Arial Black" panose="020B0A04020102020204" pitchFamily="34" charset="0"/>
+            </a:endParaRPr>
+          </a:p>
+        </p:txBody>
+      </p:sp>
+      <p:sp>
+        <p:nvSpPr>
+          <p:cNvPr id="13" name="Scroll: Vertical 12">
+            <a:extLst>
+              <a:ext uri="{FF2B5EF4-FFF2-40B4-BE49-F238E27FC236}">
+                <a16:creationId xmlns:a16="http://schemas.microsoft.com/office/drawing/2014/main" id="{3CF1C822-9414-86F2-BCB8-C6E871951834}"/>
+              </a:ext>
+            </a:extLst>
+          </p:cNvPr>
+          <p:cNvSpPr/>
+          <p:nvPr/>
+        </p:nvSpPr>
+        <p:spPr>
+          <a:xfrm>
+            <a:off x="10459839" y="887102"/>
+            <a:ext cx="1091821" cy="873457"/>
+          </a:xfrm>
+          <a:prstGeom prst="verticalScroll">
+            <a:avLst/>
+          </a:prstGeom>
+          <a:solidFill>
+            <a:schemeClr val="bg1"/>
+          </a:solidFill>
+        </p:spPr>
+        <p:style>
+          <a:lnRef idx="2">
+            <a:schemeClr val="accent1">
+              <a:shade val="15000"/>
+            </a:schemeClr>
+          </a:lnRef>
+          <a:fillRef idx="1">
+            <a:schemeClr val="accent1"/>
+          </a:fillRef>
+          <a:effectRef idx="0">
+            <a:schemeClr val="accent1"/>
+          </a:effectRef>
+          <a:fontRef idx="minor">
+            <a:schemeClr val="lt1"/>
+          </a:fontRef>
+        </p:style>
+        <p:txBody>
+          <a:bodyPr rtlCol="0" anchor="ctr"/>
+          <a:lstStyle/>
+          <a:p>
+            <a:pPr algn="ctr"/>
+            <a:r>
+              <a:rPr lang="en-US" sz="4400" b="1" dirty="0">
+                <a:solidFill>
+                  <a:schemeClr val="tx1"/>
+                </a:solidFill>
+              </a:rPr>
+              <a:t>16</a:t>
+            </a:r>
+          </a:p>
+        </p:txBody>
+      </p:sp>
+      <p:sp>
+        <p:nvSpPr>
+          <p:cNvPr id="4" name="TextBox 3">
+            <a:extLst>
+              <a:ext uri="{FF2B5EF4-FFF2-40B4-BE49-F238E27FC236}">
+                <a16:creationId xmlns:a16="http://schemas.microsoft.com/office/drawing/2014/main" id="{9AC3A5CA-5098-09CC-CA86-00A37D17B9E3}"/>
+              </a:ext>
+            </a:extLst>
+          </p:cNvPr>
+          <p:cNvSpPr txBox="1"/>
+          <p:nvPr/>
+        </p:nvSpPr>
+        <p:spPr>
+          <a:xfrm>
+            <a:off x="1109533" y="259307"/>
+            <a:ext cx="2559868" cy="707886"/>
+          </a:xfrm>
+          <a:prstGeom prst="rect">
+            <a:avLst/>
+          </a:prstGeom>
+          <a:noFill/>
+        </p:spPr>
+        <p:txBody>
+          <a:bodyPr wrap="none" rtlCol="0">
+            <a:spAutoFit/>
+          </a:bodyPr>
+          <a:lstStyle/>
+          <a:p>
+            <a:r>
+              <a:rPr lang="en-US" sz="4000" b="1" dirty="0">
+                <a:latin typeface="Arial Black" panose="020B0A04020102020204" pitchFamily="34" charset="0"/>
+              </a:rPr>
+              <a:t>Week #2</a:t>
+            </a:r>
+          </a:p>
+        </p:txBody>
+      </p:sp>
+      <p:sp>
+        <p:nvSpPr>
+          <p:cNvPr id="6" name="TextBox 5">
+            <a:extLst>
+              <a:ext uri="{FF2B5EF4-FFF2-40B4-BE49-F238E27FC236}">
+                <a16:creationId xmlns:a16="http://schemas.microsoft.com/office/drawing/2014/main" id="{8E579D63-20FA-93FC-4F82-6D76687FE01D}"/>
+              </a:ext>
+            </a:extLst>
+          </p:cNvPr>
+          <p:cNvSpPr txBox="1"/>
+          <p:nvPr/>
+        </p:nvSpPr>
+        <p:spPr>
+          <a:xfrm>
+            <a:off x="1109533" y="887102"/>
+            <a:ext cx="6364819" cy="584775"/>
+          </a:xfrm>
+          <a:prstGeom prst="rect">
+            <a:avLst/>
+          </a:prstGeom>
+          <a:noFill/>
+        </p:spPr>
+        <p:txBody>
+          <a:bodyPr wrap="none" rtlCol="0">
+            <a:spAutoFit/>
+          </a:bodyPr>
+          <a:lstStyle/>
+          <a:p>
+            <a:r>
+              <a:rPr lang="en-US" sz="3200" b="1" dirty="0">
+                <a:latin typeface="Times New Roman" panose="02020603050405020304" pitchFamily="18" charset="0"/>
+                <a:cs typeface="Times New Roman" panose="02020603050405020304" pitchFamily="18" charset="0"/>
+              </a:rPr>
+              <a:t>Dashboard Offers and Promotions:</a:t>
+            </a:r>
+            <a:endParaRPr lang="en-PK" sz="3200" b="1" dirty="0">
+              <a:latin typeface="Times New Roman" panose="02020603050405020304" pitchFamily="18" charset="0"/>
+              <a:cs typeface="Times New Roman" panose="02020603050405020304" pitchFamily="18" charset="0"/>
+            </a:endParaRPr>
+          </a:p>
+        </p:txBody>
+      </p:sp>
+      <p:pic>
+        <p:nvPicPr>
+          <p:cNvPr id="5" name="Picture 4">
+            <a:extLst>
+              <a:ext uri="{FF2B5EF4-FFF2-40B4-BE49-F238E27FC236}">
+                <a16:creationId xmlns:a16="http://schemas.microsoft.com/office/drawing/2014/main" id="{C23B11D2-695C-4400-D187-5A93AC267199}"/>
+              </a:ext>
+            </a:extLst>
+          </p:cNvPr>
+          <p:cNvPicPr>
+            <a:picLocks noChangeAspect="1"/>
+          </p:cNvPicPr>
+          <p:nvPr/>
+        </p:nvPicPr>
+        <p:blipFill>
+          <a:blip r:embed="rId3"/>
+          <a:stretch>
+            <a:fillRect/>
+          </a:stretch>
+        </p:blipFill>
+        <p:spPr>
+          <a:xfrm>
+            <a:off x="1603947" y="1468129"/>
+            <a:ext cx="8030132" cy="3783428"/>
+          </a:xfrm>
+          <a:prstGeom prst="rect">
+            <a:avLst/>
+          </a:prstGeom>
+        </p:spPr>
+      </p:pic>
+    </p:spTree>
+    <p:extLst>
+      <p:ext uri="{BB962C8B-B14F-4D97-AF65-F5344CB8AC3E}">
+        <p14:creationId xmlns:p14="http://schemas.microsoft.com/office/powerpoint/2010/main" val="1364617854"/>
+      </p:ext>
+    </p:extLst>
+  </p:cSld>
+  <p:clrMapOvr>
+    <a:masterClrMapping/>
+  </p:clrMapOvr>
+</p:sld>
+</file>
+
 <file path=ppt/slides/slide2.xml><?xml version="1.0" encoding="utf-8"?>
 <p:sld xmlns:a="http://schemas.openxmlformats.org/drawingml/2006/main" xmlns:r="http://schemas.openxmlformats.org/officeDocument/2006/relationships" xmlns:p="http://schemas.openxmlformats.org/presentationml/2006/main">
   <p:cSld>
@@ -7188,6 +9338,592 @@
         <p:cNvPr id="1" name="">
           <a:extLst>
             <a:ext uri="{FF2B5EF4-FFF2-40B4-BE49-F238E27FC236}">
+              <a16:creationId xmlns:a16="http://schemas.microsoft.com/office/drawing/2014/main" id="{12644108-2A31-6510-94E5-45B3916D318F}"/>
+            </a:ext>
+          </a:extLst>
+        </p:cNvPr>
+        <p:cNvGrpSpPr/>
+        <p:nvPr/>
+      </p:nvGrpSpPr>
+      <p:grpSpPr>
+        <a:xfrm>
+          <a:off x="0" y="0"/>
+          <a:ext cx="0" cy="0"/>
+          <a:chOff x="0" y="0"/>
+          <a:chExt cx="0" cy="0"/>
+        </a:xfrm>
+      </p:grpSpPr>
+      <p:pic>
+        <p:nvPicPr>
+          <p:cNvPr id="7" name="Picture 6">
+            <a:extLst>
+              <a:ext uri="{FF2B5EF4-FFF2-40B4-BE49-F238E27FC236}">
+                <a16:creationId xmlns:a16="http://schemas.microsoft.com/office/drawing/2014/main" id="{893227AE-6510-32D3-BB38-0D820A57CE4C}"/>
+              </a:ext>
+            </a:extLst>
+          </p:cNvPr>
+          <p:cNvPicPr>
+            <a:picLocks noChangeAspect="1"/>
+          </p:cNvPicPr>
+          <p:nvPr/>
+        </p:nvPicPr>
+        <p:blipFill>
+          <a:blip r:embed="rId2">
+            <a:extLst>
+              <a:ext uri="{28A0092B-C50C-407E-A947-70E740481C1C}">
+                <a14:useLocalDpi xmlns:a14="http://schemas.microsoft.com/office/drawing/2010/main" val="0"/>
+              </a:ext>
+            </a:extLst>
+          </a:blip>
+          <a:stretch>
+            <a:fillRect/>
+          </a:stretch>
+        </p:blipFill>
+        <p:spPr>
+          <a:xfrm>
+            <a:off x="0" y="4844958"/>
+            <a:ext cx="1915235" cy="1915235"/>
+          </a:xfrm>
+          <a:prstGeom prst="rect">
+            <a:avLst/>
+          </a:prstGeom>
+        </p:spPr>
+      </p:pic>
+      <p:sp>
+        <p:nvSpPr>
+          <p:cNvPr id="8" name="TextBox 7">
+            <a:extLst>
+              <a:ext uri="{FF2B5EF4-FFF2-40B4-BE49-F238E27FC236}">
+                <a16:creationId xmlns:a16="http://schemas.microsoft.com/office/drawing/2014/main" id="{9261B6D3-F008-5590-6911-77CF4DF5D8FC}"/>
+              </a:ext>
+            </a:extLst>
+          </p:cNvPr>
+          <p:cNvSpPr txBox="1"/>
+          <p:nvPr/>
+        </p:nvSpPr>
+        <p:spPr>
+          <a:xfrm>
+            <a:off x="9778558" y="259307"/>
+            <a:ext cx="2536272" cy="461665"/>
+          </a:xfrm>
+          <a:prstGeom prst="rect">
+            <a:avLst/>
+          </a:prstGeom>
+          <a:noFill/>
+        </p:spPr>
+        <p:txBody>
+          <a:bodyPr wrap="square" rtlCol="0">
+            <a:spAutoFit/>
+          </a:bodyPr>
+          <a:lstStyle/>
+          <a:p>
+            <a:r>
+              <a:rPr lang="en-US" sz="2400" b="1" dirty="0">
+                <a:solidFill>
+                  <a:schemeClr val="bg1"/>
+                </a:solidFill>
+                <a:latin typeface="Arial Black" panose="020B0A04020102020204" pitchFamily="34" charset="0"/>
+              </a:rPr>
+              <a:t>AI Academy</a:t>
+            </a:r>
+            <a:r>
+              <a:rPr lang="en-US" sz="2400" b="0" i="0" dirty="0">
+                <a:solidFill>
+                  <a:schemeClr val="bg1"/>
+                </a:solidFill>
+                <a:effectLst/>
+                <a:latin typeface="arial" panose="020B0604020202020204" pitchFamily="34" charset="0"/>
+              </a:rPr>
+              <a:t>®</a:t>
+            </a:r>
+            <a:endParaRPr lang="en-US" sz="2400" b="1" dirty="0">
+              <a:solidFill>
+                <a:schemeClr val="bg1"/>
+              </a:solidFill>
+              <a:latin typeface="Arial Black" panose="020B0A04020102020204" pitchFamily="34" charset="0"/>
+            </a:endParaRPr>
+          </a:p>
+        </p:txBody>
+      </p:sp>
+      <p:sp>
+        <p:nvSpPr>
+          <p:cNvPr id="13" name="Scroll: Vertical 12">
+            <a:extLst>
+              <a:ext uri="{FF2B5EF4-FFF2-40B4-BE49-F238E27FC236}">
+                <a16:creationId xmlns:a16="http://schemas.microsoft.com/office/drawing/2014/main" id="{3CF1C822-9414-86F2-BCB8-C6E871951834}"/>
+              </a:ext>
+            </a:extLst>
+          </p:cNvPr>
+          <p:cNvSpPr/>
+          <p:nvPr/>
+        </p:nvSpPr>
+        <p:spPr>
+          <a:xfrm>
+            <a:off x="10459839" y="887102"/>
+            <a:ext cx="1091821" cy="873457"/>
+          </a:xfrm>
+          <a:prstGeom prst="verticalScroll">
+            <a:avLst/>
+          </a:prstGeom>
+          <a:solidFill>
+            <a:schemeClr val="bg1"/>
+          </a:solidFill>
+        </p:spPr>
+        <p:style>
+          <a:lnRef idx="2">
+            <a:schemeClr val="accent1">
+              <a:shade val="15000"/>
+            </a:schemeClr>
+          </a:lnRef>
+          <a:fillRef idx="1">
+            <a:schemeClr val="accent1"/>
+          </a:fillRef>
+          <a:effectRef idx="0">
+            <a:schemeClr val="accent1"/>
+          </a:effectRef>
+          <a:fontRef idx="minor">
+            <a:schemeClr val="lt1"/>
+          </a:fontRef>
+        </p:style>
+        <p:txBody>
+          <a:bodyPr rtlCol="0" anchor="ctr"/>
+          <a:lstStyle/>
+          <a:p>
+            <a:pPr algn="ctr"/>
+            <a:r>
+              <a:rPr lang="en-US" sz="4400" b="1" dirty="0">
+                <a:solidFill>
+                  <a:schemeClr val="tx1"/>
+                </a:solidFill>
+              </a:rPr>
+              <a:t>5</a:t>
+            </a:r>
+          </a:p>
+        </p:txBody>
+      </p:sp>
+      <p:sp>
+        <p:nvSpPr>
+          <p:cNvPr id="4" name="TextBox 3">
+            <a:extLst>
+              <a:ext uri="{FF2B5EF4-FFF2-40B4-BE49-F238E27FC236}">
+                <a16:creationId xmlns:a16="http://schemas.microsoft.com/office/drawing/2014/main" id="{9AC3A5CA-5098-09CC-CA86-00A37D17B9E3}"/>
+              </a:ext>
+            </a:extLst>
+          </p:cNvPr>
+          <p:cNvSpPr txBox="1"/>
+          <p:nvPr/>
+        </p:nvSpPr>
+        <p:spPr>
+          <a:xfrm>
+            <a:off x="1109533" y="259307"/>
+            <a:ext cx="2559868" cy="707886"/>
+          </a:xfrm>
+          <a:prstGeom prst="rect">
+            <a:avLst/>
+          </a:prstGeom>
+          <a:noFill/>
+        </p:spPr>
+        <p:txBody>
+          <a:bodyPr wrap="none" rtlCol="0">
+            <a:spAutoFit/>
+          </a:bodyPr>
+          <a:lstStyle/>
+          <a:p>
+            <a:r>
+              <a:rPr lang="en-US" sz="4000" b="1" dirty="0">
+                <a:latin typeface="Arial Black" panose="020B0A04020102020204" pitchFamily="34" charset="0"/>
+              </a:rPr>
+              <a:t>Week #2</a:t>
+            </a:r>
+          </a:p>
+        </p:txBody>
+      </p:sp>
+      <p:pic>
+        <p:nvPicPr>
+          <p:cNvPr id="5" name="Picture 4">
+            <a:extLst>
+              <a:ext uri="{FF2B5EF4-FFF2-40B4-BE49-F238E27FC236}">
+                <a16:creationId xmlns:a16="http://schemas.microsoft.com/office/drawing/2014/main" id="{06A87F08-FBC5-EA24-060C-C14E063D96FB}"/>
+              </a:ext>
+            </a:extLst>
+          </p:cNvPr>
+          <p:cNvPicPr>
+            <a:picLocks noChangeAspect="1"/>
+          </p:cNvPicPr>
+          <p:nvPr/>
+        </p:nvPicPr>
+        <p:blipFill>
+          <a:blip r:embed="rId3"/>
+          <a:stretch>
+            <a:fillRect/>
+          </a:stretch>
+        </p:blipFill>
+        <p:spPr>
+          <a:xfrm>
+            <a:off x="1693888" y="1518242"/>
+            <a:ext cx="7867602" cy="3713322"/>
+          </a:xfrm>
+          <a:prstGeom prst="rect">
+            <a:avLst/>
+          </a:prstGeom>
+        </p:spPr>
+      </p:pic>
+      <p:sp>
+        <p:nvSpPr>
+          <p:cNvPr id="6" name="TextBox 5">
+            <a:extLst>
+              <a:ext uri="{FF2B5EF4-FFF2-40B4-BE49-F238E27FC236}">
+                <a16:creationId xmlns:a16="http://schemas.microsoft.com/office/drawing/2014/main" id="{C72BDCA5-9A4F-47E0-928E-C97473DA4DBE}"/>
+              </a:ext>
+            </a:extLst>
+          </p:cNvPr>
+          <p:cNvSpPr txBox="1"/>
+          <p:nvPr/>
+        </p:nvSpPr>
+        <p:spPr>
+          <a:xfrm>
+            <a:off x="1109533" y="887102"/>
+            <a:ext cx="3926652" cy="584775"/>
+          </a:xfrm>
+          <a:prstGeom prst="rect">
+            <a:avLst/>
+          </a:prstGeom>
+          <a:noFill/>
+        </p:spPr>
+        <p:txBody>
+          <a:bodyPr wrap="none" rtlCol="0">
+            <a:spAutoFit/>
+          </a:bodyPr>
+          <a:lstStyle/>
+          <a:p>
+            <a:r>
+              <a:rPr lang="en-US" sz="3200" b="1" dirty="0">
+                <a:latin typeface="Times New Roman" panose="02020603050405020304" pitchFamily="18" charset="0"/>
+                <a:cs typeface="Times New Roman" panose="02020603050405020304" pitchFamily="18" charset="0"/>
+              </a:rPr>
+              <a:t>Dashboard Products:</a:t>
+            </a:r>
+            <a:endParaRPr lang="en-PK" sz="3200" b="1" dirty="0">
+              <a:latin typeface="Times New Roman" panose="02020603050405020304" pitchFamily="18" charset="0"/>
+              <a:cs typeface="Times New Roman" panose="02020603050405020304" pitchFamily="18" charset="0"/>
+            </a:endParaRPr>
+          </a:p>
+        </p:txBody>
+      </p:sp>
+    </p:spTree>
+    <p:extLst>
+      <p:ext uri="{BB962C8B-B14F-4D97-AF65-F5344CB8AC3E}">
+        <p14:creationId xmlns:p14="http://schemas.microsoft.com/office/powerpoint/2010/main" val="3499113316"/>
+      </p:ext>
+    </p:extLst>
+  </p:cSld>
+  <p:clrMapOvr>
+    <a:masterClrMapping/>
+  </p:clrMapOvr>
+</p:sld>
+</file>
+
+<file path=ppt/slides/slide6.xml><?xml version="1.0" encoding="utf-8"?>
+<p:sld xmlns:a="http://schemas.openxmlformats.org/drawingml/2006/main" xmlns:r="http://schemas.openxmlformats.org/officeDocument/2006/relationships" xmlns:p="http://schemas.openxmlformats.org/presentationml/2006/main">
+  <p:cSld>
+    <p:spTree>
+      <p:nvGrpSpPr>
+        <p:cNvPr id="1" name="">
+          <a:extLst>
+            <a:ext uri="{FF2B5EF4-FFF2-40B4-BE49-F238E27FC236}">
+              <a16:creationId xmlns:a16="http://schemas.microsoft.com/office/drawing/2014/main" id="{12644108-2A31-6510-94E5-45B3916D318F}"/>
+            </a:ext>
+          </a:extLst>
+        </p:cNvPr>
+        <p:cNvGrpSpPr/>
+        <p:nvPr/>
+      </p:nvGrpSpPr>
+      <p:grpSpPr>
+        <a:xfrm>
+          <a:off x="0" y="0"/>
+          <a:ext cx="0" cy="0"/>
+          <a:chOff x="0" y="0"/>
+          <a:chExt cx="0" cy="0"/>
+        </a:xfrm>
+      </p:grpSpPr>
+      <p:pic>
+        <p:nvPicPr>
+          <p:cNvPr id="7" name="Picture 6">
+            <a:extLst>
+              <a:ext uri="{FF2B5EF4-FFF2-40B4-BE49-F238E27FC236}">
+                <a16:creationId xmlns:a16="http://schemas.microsoft.com/office/drawing/2014/main" id="{893227AE-6510-32D3-BB38-0D820A57CE4C}"/>
+              </a:ext>
+            </a:extLst>
+          </p:cNvPr>
+          <p:cNvPicPr>
+            <a:picLocks noChangeAspect="1"/>
+          </p:cNvPicPr>
+          <p:nvPr/>
+        </p:nvPicPr>
+        <p:blipFill>
+          <a:blip r:embed="rId2">
+            <a:extLst>
+              <a:ext uri="{28A0092B-C50C-407E-A947-70E740481C1C}">
+                <a14:useLocalDpi xmlns:a14="http://schemas.microsoft.com/office/drawing/2010/main" val="0"/>
+              </a:ext>
+            </a:extLst>
+          </a:blip>
+          <a:stretch>
+            <a:fillRect/>
+          </a:stretch>
+        </p:blipFill>
+        <p:spPr>
+          <a:xfrm>
+            <a:off x="0" y="4844958"/>
+            <a:ext cx="1915235" cy="1915235"/>
+          </a:xfrm>
+          <a:prstGeom prst="rect">
+            <a:avLst/>
+          </a:prstGeom>
+        </p:spPr>
+      </p:pic>
+      <p:sp>
+        <p:nvSpPr>
+          <p:cNvPr id="8" name="TextBox 7">
+            <a:extLst>
+              <a:ext uri="{FF2B5EF4-FFF2-40B4-BE49-F238E27FC236}">
+                <a16:creationId xmlns:a16="http://schemas.microsoft.com/office/drawing/2014/main" id="{9261B6D3-F008-5590-6911-77CF4DF5D8FC}"/>
+              </a:ext>
+            </a:extLst>
+          </p:cNvPr>
+          <p:cNvSpPr txBox="1"/>
+          <p:nvPr/>
+        </p:nvSpPr>
+        <p:spPr>
+          <a:xfrm>
+            <a:off x="9778558" y="259307"/>
+            <a:ext cx="2536272" cy="461665"/>
+          </a:xfrm>
+          <a:prstGeom prst="rect">
+            <a:avLst/>
+          </a:prstGeom>
+          <a:noFill/>
+        </p:spPr>
+        <p:txBody>
+          <a:bodyPr wrap="square" rtlCol="0">
+            <a:spAutoFit/>
+          </a:bodyPr>
+          <a:lstStyle/>
+          <a:p>
+            <a:r>
+              <a:rPr lang="en-US" sz="2400" b="1" dirty="0">
+                <a:solidFill>
+                  <a:schemeClr val="bg1"/>
+                </a:solidFill>
+                <a:latin typeface="Arial Black" panose="020B0A04020102020204" pitchFamily="34" charset="0"/>
+              </a:rPr>
+              <a:t>AI Academy</a:t>
+            </a:r>
+            <a:r>
+              <a:rPr lang="en-US" sz="2400" b="0" i="0" dirty="0">
+                <a:solidFill>
+                  <a:schemeClr val="bg1"/>
+                </a:solidFill>
+                <a:effectLst/>
+                <a:latin typeface="arial" panose="020B0604020202020204" pitchFamily="34" charset="0"/>
+              </a:rPr>
+              <a:t>®</a:t>
+            </a:r>
+            <a:endParaRPr lang="en-US" sz="2400" b="1" dirty="0">
+              <a:solidFill>
+                <a:schemeClr val="bg1"/>
+              </a:solidFill>
+              <a:latin typeface="Arial Black" panose="020B0A04020102020204" pitchFamily="34" charset="0"/>
+            </a:endParaRPr>
+          </a:p>
+        </p:txBody>
+      </p:sp>
+      <p:sp>
+        <p:nvSpPr>
+          <p:cNvPr id="13" name="Scroll: Vertical 12">
+            <a:extLst>
+              <a:ext uri="{FF2B5EF4-FFF2-40B4-BE49-F238E27FC236}">
+                <a16:creationId xmlns:a16="http://schemas.microsoft.com/office/drawing/2014/main" id="{3CF1C822-9414-86F2-BCB8-C6E871951834}"/>
+              </a:ext>
+            </a:extLst>
+          </p:cNvPr>
+          <p:cNvSpPr/>
+          <p:nvPr/>
+        </p:nvSpPr>
+        <p:spPr>
+          <a:xfrm>
+            <a:off x="10459839" y="887102"/>
+            <a:ext cx="1091821" cy="873457"/>
+          </a:xfrm>
+          <a:prstGeom prst="verticalScroll">
+            <a:avLst/>
+          </a:prstGeom>
+          <a:solidFill>
+            <a:schemeClr val="bg1"/>
+          </a:solidFill>
+        </p:spPr>
+        <p:style>
+          <a:lnRef idx="2">
+            <a:schemeClr val="accent1">
+              <a:shade val="15000"/>
+            </a:schemeClr>
+          </a:lnRef>
+          <a:fillRef idx="1">
+            <a:schemeClr val="accent1"/>
+          </a:fillRef>
+          <a:effectRef idx="0">
+            <a:schemeClr val="accent1"/>
+          </a:effectRef>
+          <a:fontRef idx="minor">
+            <a:schemeClr val="lt1"/>
+          </a:fontRef>
+        </p:style>
+        <p:txBody>
+          <a:bodyPr rtlCol="0" anchor="ctr"/>
+          <a:lstStyle/>
+          <a:p>
+            <a:pPr algn="ctr"/>
+            <a:r>
+              <a:rPr lang="en-US" sz="4400" b="1" dirty="0">
+                <a:solidFill>
+                  <a:schemeClr val="tx1"/>
+                </a:solidFill>
+              </a:rPr>
+              <a:t>6</a:t>
+            </a:r>
+          </a:p>
+        </p:txBody>
+      </p:sp>
+      <p:sp>
+        <p:nvSpPr>
+          <p:cNvPr id="4" name="TextBox 3">
+            <a:extLst>
+              <a:ext uri="{FF2B5EF4-FFF2-40B4-BE49-F238E27FC236}">
+                <a16:creationId xmlns:a16="http://schemas.microsoft.com/office/drawing/2014/main" id="{9AC3A5CA-5098-09CC-CA86-00A37D17B9E3}"/>
+              </a:ext>
+            </a:extLst>
+          </p:cNvPr>
+          <p:cNvSpPr txBox="1"/>
+          <p:nvPr/>
+        </p:nvSpPr>
+        <p:spPr>
+          <a:xfrm>
+            <a:off x="1109533" y="259307"/>
+            <a:ext cx="2559868" cy="707886"/>
+          </a:xfrm>
+          <a:prstGeom prst="rect">
+            <a:avLst/>
+          </a:prstGeom>
+          <a:noFill/>
+        </p:spPr>
+        <p:txBody>
+          <a:bodyPr wrap="none" rtlCol="0">
+            <a:spAutoFit/>
+          </a:bodyPr>
+          <a:lstStyle/>
+          <a:p>
+            <a:r>
+              <a:rPr lang="en-US" sz="4000" b="1" dirty="0">
+                <a:latin typeface="Arial Black" panose="020B0A04020102020204" pitchFamily="34" charset="0"/>
+              </a:rPr>
+              <a:t>Week #2</a:t>
+            </a:r>
+          </a:p>
+        </p:txBody>
+      </p:sp>
+      <p:pic>
+        <p:nvPicPr>
+          <p:cNvPr id="5" name="Picture 4">
+            <a:extLst>
+              <a:ext uri="{FF2B5EF4-FFF2-40B4-BE49-F238E27FC236}">
+                <a16:creationId xmlns:a16="http://schemas.microsoft.com/office/drawing/2014/main" id="{4736A401-7346-BD51-A55F-FE6F4722042E}"/>
+              </a:ext>
+            </a:extLst>
+          </p:cNvPr>
+          <p:cNvPicPr>
+            <a:picLocks noChangeAspect="1"/>
+          </p:cNvPicPr>
+          <p:nvPr/>
+        </p:nvPicPr>
+        <p:blipFill>
+          <a:blip r:embed="rId3"/>
+          <a:stretch>
+            <a:fillRect/>
+          </a:stretch>
+        </p:blipFill>
+        <p:spPr>
+          <a:xfrm>
+            <a:off x="1745428" y="1576648"/>
+            <a:ext cx="7553300" cy="3564979"/>
+          </a:xfrm>
+          <a:prstGeom prst="rect">
+            <a:avLst/>
+          </a:prstGeom>
+        </p:spPr>
+      </p:pic>
+      <p:sp>
+        <p:nvSpPr>
+          <p:cNvPr id="6" name="TextBox 5">
+            <a:extLst>
+              <a:ext uri="{FF2B5EF4-FFF2-40B4-BE49-F238E27FC236}">
+                <a16:creationId xmlns:a16="http://schemas.microsoft.com/office/drawing/2014/main" id="{8E579D63-20FA-93FC-4F82-6D76687FE01D}"/>
+              </a:ext>
+            </a:extLst>
+          </p:cNvPr>
+          <p:cNvSpPr txBox="1"/>
+          <p:nvPr/>
+        </p:nvSpPr>
+        <p:spPr>
+          <a:xfrm>
+            <a:off x="1109533" y="887102"/>
+            <a:ext cx="4722768" cy="584775"/>
+          </a:xfrm>
+          <a:prstGeom prst="rect">
+            <a:avLst/>
+          </a:prstGeom>
+          <a:noFill/>
+        </p:spPr>
+        <p:txBody>
+          <a:bodyPr wrap="none" rtlCol="0">
+            <a:spAutoFit/>
+          </a:bodyPr>
+          <a:lstStyle/>
+          <a:p>
+            <a:r>
+              <a:rPr lang="en-US" sz="3200" b="1" dirty="0">
+                <a:latin typeface="Times New Roman" panose="02020603050405020304" pitchFamily="18" charset="0"/>
+                <a:cs typeface="Times New Roman" panose="02020603050405020304" pitchFamily="18" charset="0"/>
+              </a:rPr>
+              <a:t>Dashboard Mock Orders:</a:t>
+            </a:r>
+            <a:endParaRPr lang="en-PK" sz="3200" b="1" dirty="0">
+              <a:latin typeface="Times New Roman" panose="02020603050405020304" pitchFamily="18" charset="0"/>
+              <a:cs typeface="Times New Roman" panose="02020603050405020304" pitchFamily="18" charset="0"/>
+            </a:endParaRPr>
+          </a:p>
+        </p:txBody>
+      </p:sp>
+    </p:spTree>
+    <p:extLst>
+      <p:ext uri="{BB962C8B-B14F-4D97-AF65-F5344CB8AC3E}">
+        <p14:creationId xmlns:p14="http://schemas.microsoft.com/office/powerpoint/2010/main" val="1421474030"/>
+      </p:ext>
+    </p:extLst>
+  </p:cSld>
+  <p:clrMapOvr>
+    <a:masterClrMapping/>
+  </p:clrMapOvr>
+</p:sld>
+</file>
+
+<file path=ppt/slides/slide7.xml><?xml version="1.0" encoding="utf-8"?>
+<p:sld xmlns:a="http://schemas.openxmlformats.org/drawingml/2006/main" xmlns:r="http://schemas.openxmlformats.org/officeDocument/2006/relationships" xmlns:p="http://schemas.openxmlformats.org/presentationml/2006/main">
+  <p:cSld>
+    <p:spTree>
+      <p:nvGrpSpPr>
+        <p:cNvPr id="1" name="">
+          <a:extLst>
+            <a:ext uri="{FF2B5EF4-FFF2-40B4-BE49-F238E27FC236}">
               <a16:creationId xmlns:a16="http://schemas.microsoft.com/office/drawing/2014/main" id="{E96DD933-9E93-4321-D965-B067EFA10BC9}"/>
             </a:ext>
           </a:extLst>
@@ -7346,7 +10082,7 @@
                   <a:schemeClr val="tx1"/>
                 </a:solidFill>
               </a:rPr>
-              <a:t>5</a:t>
+              <a:t>7</a:t>
             </a:r>
           </a:p>
         </p:txBody>
@@ -7526,7 +10262,7 @@
 </p:sld>
 </file>
 
-<file path=ppt/slides/slide6.xml><?xml version="1.0" encoding="utf-8"?>
+<file path=ppt/slides/slide8.xml><?xml version="1.0" encoding="utf-8"?>
 <p:sld xmlns:a="http://schemas.openxmlformats.org/drawingml/2006/main" xmlns:r="http://schemas.openxmlformats.org/officeDocument/2006/relationships" xmlns:p="http://schemas.openxmlformats.org/presentationml/2006/main">
   <p:cSld>
     <p:spTree>
@@ -7534,7 +10270,7 @@
         <p:cNvPr id="1" name="">
           <a:extLst>
             <a:ext uri="{FF2B5EF4-FFF2-40B4-BE49-F238E27FC236}">
-              <a16:creationId xmlns:a16="http://schemas.microsoft.com/office/drawing/2014/main" id="{47DF9C13-05A4-00F3-A860-72AD65E0A06E}"/>
+              <a16:creationId xmlns:a16="http://schemas.microsoft.com/office/drawing/2014/main" id="{12644108-2A31-6510-94E5-45B3916D318F}"/>
             </a:ext>
           </a:extLst>
         </p:cNvPr>
@@ -7554,7 +10290,7 @@
           <p:cNvPr id="7" name="Picture 6">
             <a:extLst>
               <a:ext uri="{FF2B5EF4-FFF2-40B4-BE49-F238E27FC236}">
-                <a16:creationId xmlns:a16="http://schemas.microsoft.com/office/drawing/2014/main" id="{25E6FDAB-D442-9EA8-905E-BF5A169C9FB5}"/>
+                <a16:creationId xmlns:a16="http://schemas.microsoft.com/office/drawing/2014/main" id="{893227AE-6510-32D3-BB38-0D820A57CE4C}"/>
               </a:ext>
             </a:extLst>
           </p:cNvPr>
@@ -7590,7 +10326,7 @@
           <p:cNvPr id="8" name="TextBox 7">
             <a:extLst>
               <a:ext uri="{FF2B5EF4-FFF2-40B4-BE49-F238E27FC236}">
-                <a16:creationId xmlns:a16="http://schemas.microsoft.com/office/drawing/2014/main" id="{69FF4E71-12CB-3666-C1EE-2C9A627335A2}"/>
+                <a16:creationId xmlns:a16="http://schemas.microsoft.com/office/drawing/2014/main" id="{9261B6D3-F008-5590-6911-77CF4DF5D8FC}"/>
               </a:ext>
             </a:extLst>
           </p:cNvPr>
@@ -7646,7 +10382,7 @@
           <p:cNvPr id="13" name="Scroll: Vertical 12">
             <a:extLst>
               <a:ext uri="{FF2B5EF4-FFF2-40B4-BE49-F238E27FC236}">
-                <a16:creationId xmlns:a16="http://schemas.microsoft.com/office/drawing/2014/main" id="{48F135C3-AD06-1FA0-29F0-9123B4BC009F}"/>
+                <a16:creationId xmlns:a16="http://schemas.microsoft.com/office/drawing/2014/main" id="{3CF1C822-9414-86F2-BCB8-C6E871951834}"/>
               </a:ext>
             </a:extLst>
           </p:cNvPr>
@@ -7692,17 +10428,17 @@
                   <a:schemeClr val="tx1"/>
                 </a:solidFill>
               </a:rPr>
-              <a:t>6</a:t>
-            </a:r>
-          </a:p>
-        </p:txBody>
-      </p:sp>
-      <p:sp>
-        <p:nvSpPr>
-          <p:cNvPr id="2" name="TextBox 1">
+              <a:t>8</a:t>
+            </a:r>
+          </a:p>
+        </p:txBody>
+      </p:sp>
+      <p:sp>
+        <p:nvSpPr>
+          <p:cNvPr id="4" name="TextBox 3">
             <a:extLst>
               <a:ext uri="{FF2B5EF4-FFF2-40B4-BE49-F238E27FC236}">
-                <a16:creationId xmlns:a16="http://schemas.microsoft.com/office/drawing/2014/main" id="{2E5A3BF6-53E4-2CD7-8E1B-3A695A213A3A}"/>
+                <a16:creationId xmlns:a16="http://schemas.microsoft.com/office/drawing/2014/main" id="{9AC3A5CA-5098-09CC-CA86-00A37D17B9E3}"/>
               </a:ext>
             </a:extLst>
           </p:cNvPr>
@@ -7711,8 +10447,8 @@
         </p:nvSpPr>
         <p:spPr>
           <a:xfrm>
-            <a:off x="1915235" y="1255590"/>
-            <a:ext cx="7102156" cy="3431196"/>
+            <a:off x="1109533" y="259307"/>
+            <a:ext cx="2559868" cy="707886"/>
           </a:xfrm>
           <a:prstGeom prst="rect">
             <a:avLst/>
@@ -7720,98 +10456,26 @@
           <a:noFill/>
         </p:spPr>
         <p:txBody>
-          <a:bodyPr wrap="square" rtlCol="0">
+          <a:bodyPr wrap="none" rtlCol="0">
             <a:spAutoFit/>
           </a:bodyPr>
           <a:lstStyle/>
           <a:p>
-            <a:pPr marL="285750" indent="-285750">
-              <a:lnSpc>
-                <a:spcPct val="150000"/>
-              </a:lnSpc>
-              <a:buFont typeface="Wingdings" panose="05000000000000000000" pitchFamily="2" charset="2"/>
-              <a:buChar char="Ø"/>
-            </a:pPr>
-            <a:r>
-              <a:rPr lang="en-US" sz="3600" b="1" dirty="0">
-                <a:latin typeface="Times New Roman" panose="02020603050405020304" pitchFamily="18" charset="0"/>
-                <a:cs typeface="Times New Roman" panose="02020603050405020304" pitchFamily="18" charset="0"/>
-              </a:rPr>
-              <a:t>Day 4: </a:t>
-            </a:r>
-          </a:p>
-          <a:p>
-            <a:pPr marL="1485900" lvl="2" indent="-571500">
-              <a:lnSpc>
-                <a:spcPct val="150000"/>
-              </a:lnSpc>
-              <a:buFont typeface="+mj-lt"/>
-              <a:buAutoNum type="romanUcPeriod"/>
-            </a:pPr>
-            <a:r>
-              <a:rPr lang="en-US" sz="2800" dirty="0">
-                <a:latin typeface="Times New Roman" panose="02020603050405020304" pitchFamily="18" charset="0"/>
-                <a:cs typeface="Times New Roman" panose="02020603050405020304" pitchFamily="18" charset="0"/>
-              </a:rPr>
-              <a:t>Explore Shopify Store front-end</a:t>
-            </a:r>
-          </a:p>
-          <a:p>
-            <a:pPr marL="1943100" lvl="3" indent="-571500">
-              <a:lnSpc>
-                <a:spcPct val="150000"/>
-              </a:lnSpc>
-              <a:buFont typeface="Arial" panose="020B0604020202020204" pitchFamily="34" charset="0"/>
-              <a:buChar char="•"/>
-            </a:pPr>
-            <a:r>
-              <a:rPr lang="en-US" sz="2800" dirty="0">
-                <a:latin typeface="Times New Roman" panose="02020603050405020304" pitchFamily="18" charset="0"/>
-                <a:cs typeface="Times New Roman" panose="02020603050405020304" pitchFamily="18" charset="0"/>
-              </a:rPr>
-              <a:t>Guidelines, personalizing</a:t>
-            </a:r>
-          </a:p>
-          <a:p>
-            <a:pPr marL="1943100" lvl="3" indent="-571500">
-              <a:lnSpc>
-                <a:spcPct val="150000"/>
-              </a:lnSpc>
-              <a:buFont typeface="Arial" panose="020B0604020202020204" pitchFamily="34" charset="0"/>
-              <a:buChar char="•"/>
-            </a:pPr>
-            <a:r>
-              <a:rPr lang="en-US" sz="2800" dirty="0">
-                <a:latin typeface="Times New Roman" panose="02020603050405020304" pitchFamily="18" charset="0"/>
-                <a:cs typeface="Times New Roman" panose="02020603050405020304" pitchFamily="18" charset="0"/>
-              </a:rPr>
-              <a:t>Banners, logos and Brand identity</a:t>
-            </a:r>
-          </a:p>
-          <a:p>
-            <a:pPr marL="1485900" lvl="2" indent="-571500">
-              <a:lnSpc>
-                <a:spcPct val="150000"/>
-              </a:lnSpc>
-              <a:buFont typeface="+mj-lt"/>
-              <a:buAutoNum type="romanUcPeriod"/>
-            </a:pPr>
-            <a:r>
-              <a:rPr lang="en-US" sz="2800" dirty="0">
-                <a:latin typeface="Times New Roman" panose="02020603050405020304" pitchFamily="18" charset="0"/>
-                <a:cs typeface="Times New Roman" panose="02020603050405020304" pitchFamily="18" charset="0"/>
-              </a:rPr>
-              <a:t>Troubleshooting and assistance</a:t>
-            </a:r>
-          </a:p>
-        </p:txBody>
-      </p:sp>
-      <p:sp>
-        <p:nvSpPr>
-          <p:cNvPr id="3" name="TextBox 2">
+            <a:r>
+              <a:rPr lang="en-US" sz="4000" b="1" dirty="0">
+                <a:latin typeface="Arial Black" panose="020B0A04020102020204" pitchFamily="34" charset="0"/>
+              </a:rPr>
+              <a:t>Week #2</a:t>
+            </a:r>
+          </a:p>
+        </p:txBody>
+      </p:sp>
+      <p:sp>
+        <p:nvSpPr>
+          <p:cNvPr id="6" name="TextBox 5">
             <a:extLst>
               <a:ext uri="{FF2B5EF4-FFF2-40B4-BE49-F238E27FC236}">
-                <a16:creationId xmlns:a16="http://schemas.microsoft.com/office/drawing/2014/main" id="{3A338323-A1BB-E65E-3214-184CC15AAEA5}"/>
+                <a16:creationId xmlns:a16="http://schemas.microsoft.com/office/drawing/2014/main" id="{8E579D63-20FA-93FC-4F82-6D76687FE01D}"/>
               </a:ext>
             </a:extLst>
           </p:cNvPr>
@@ -7820,8 +10484,8 @@
         </p:nvSpPr>
         <p:spPr>
           <a:xfrm>
-            <a:off x="1109533" y="259307"/>
-            <a:ext cx="2559868" cy="707886"/>
+            <a:off x="1109533" y="887102"/>
+            <a:ext cx="5100051" cy="584775"/>
           </a:xfrm>
           <a:prstGeom prst="rect">
             <a:avLst/>
@@ -7835,18 +10499,53 @@
           <a:lstStyle/>
           <a:p>
             <a:r>
-              <a:rPr lang="en-US" sz="4000" b="1" dirty="0">
-                <a:latin typeface="Arial Black" panose="020B0A04020102020204" pitchFamily="34" charset="0"/>
-              </a:rPr>
-              <a:t>Week #1</a:t>
-            </a:r>
-          </a:p>
-        </p:txBody>
-      </p:sp>
+              <a:rPr lang="en-US" sz="3200" b="1" dirty="0">
+                <a:latin typeface="Times New Roman" panose="02020603050405020304" pitchFamily="18" charset="0"/>
+                <a:cs typeface="Times New Roman" panose="02020603050405020304" pitchFamily="18" charset="0"/>
+              </a:rPr>
+              <a:t>Dashboard Product Listing:</a:t>
+            </a:r>
+            <a:endParaRPr lang="en-PK" sz="3200" b="1" dirty="0">
+              <a:latin typeface="Times New Roman" panose="02020603050405020304" pitchFamily="18" charset="0"/>
+              <a:cs typeface="Times New Roman" panose="02020603050405020304" pitchFamily="18" charset="0"/>
+            </a:endParaRPr>
+          </a:p>
+        </p:txBody>
+      </p:sp>
+      <p:pic>
+        <p:nvPicPr>
+          <p:cNvPr id="10" name="Picture 9">
+            <a:extLst>
+              <a:ext uri="{FF2B5EF4-FFF2-40B4-BE49-F238E27FC236}">
+                <a16:creationId xmlns:a16="http://schemas.microsoft.com/office/drawing/2014/main" id="{8144C5D8-8049-B11E-1640-94D4AD54D6E2}"/>
+              </a:ext>
+            </a:extLst>
+          </p:cNvPr>
+          <p:cNvPicPr>
+            <a:picLocks noChangeAspect="1"/>
+          </p:cNvPicPr>
+          <p:nvPr/>
+        </p:nvPicPr>
+        <p:blipFill>
+          <a:blip r:embed="rId3"/>
+          <a:stretch>
+            <a:fillRect/>
+          </a:stretch>
+        </p:blipFill>
+        <p:spPr>
+          <a:xfrm>
+            <a:off x="1646297" y="1490894"/>
+            <a:ext cx="7924729" cy="3710693"/>
+          </a:xfrm>
+          <a:prstGeom prst="rect">
+            <a:avLst/>
+          </a:prstGeom>
+        </p:spPr>
+      </p:pic>
     </p:spTree>
     <p:extLst>
       <p:ext uri="{BB962C8B-B14F-4D97-AF65-F5344CB8AC3E}">
-        <p14:creationId xmlns:p14="http://schemas.microsoft.com/office/powerpoint/2010/main" val="1380376806"/>
+        <p14:creationId xmlns:p14="http://schemas.microsoft.com/office/powerpoint/2010/main" val="1961436876"/>
       </p:ext>
     </p:extLst>
   </p:cSld>
@@ -7856,7 +10555,7 @@
 </p:sld>
 </file>
 
-<file path=ppt/slides/slide7.xml><?xml version="1.0" encoding="utf-8"?>
+<file path=ppt/slides/slide9.xml><?xml version="1.0" encoding="utf-8"?>
 <p:sld xmlns:a="http://schemas.openxmlformats.org/drawingml/2006/main" xmlns:r="http://schemas.openxmlformats.org/officeDocument/2006/relationships" xmlns:p="http://schemas.openxmlformats.org/presentationml/2006/main">
   <p:cSld>
     <p:spTree>
@@ -7864,7 +10563,7 @@
         <p:cNvPr id="1" name="">
           <a:extLst>
             <a:ext uri="{FF2B5EF4-FFF2-40B4-BE49-F238E27FC236}">
-              <a16:creationId xmlns:a16="http://schemas.microsoft.com/office/drawing/2014/main" id="{652BEC75-8F64-27B0-ADE2-1F5D13E29634}"/>
+              <a16:creationId xmlns:a16="http://schemas.microsoft.com/office/drawing/2014/main" id="{12644108-2A31-6510-94E5-45B3916D318F}"/>
             </a:ext>
           </a:extLst>
         </p:cNvPr>
@@ -7884,7 +10583,7 @@
           <p:cNvPr id="7" name="Picture 6">
             <a:extLst>
               <a:ext uri="{FF2B5EF4-FFF2-40B4-BE49-F238E27FC236}">
-                <a16:creationId xmlns:a16="http://schemas.microsoft.com/office/drawing/2014/main" id="{B3DF5A13-DECF-0731-C22C-C7D3001751F0}"/>
+                <a16:creationId xmlns:a16="http://schemas.microsoft.com/office/drawing/2014/main" id="{893227AE-6510-32D3-BB38-0D820A57CE4C}"/>
               </a:ext>
             </a:extLst>
           </p:cNvPr>
@@ -7920,7 +10619,7 @@
           <p:cNvPr id="8" name="TextBox 7">
             <a:extLst>
               <a:ext uri="{FF2B5EF4-FFF2-40B4-BE49-F238E27FC236}">
-                <a16:creationId xmlns:a16="http://schemas.microsoft.com/office/drawing/2014/main" id="{45C8D167-2F03-8954-57F8-08F53482CFA9}"/>
+                <a16:creationId xmlns:a16="http://schemas.microsoft.com/office/drawing/2014/main" id="{9261B6D3-F008-5590-6911-77CF4DF5D8FC}"/>
               </a:ext>
             </a:extLst>
           </p:cNvPr>
@@ -7976,7 +10675,7 @@
           <p:cNvPr id="13" name="Scroll: Vertical 12">
             <a:extLst>
               <a:ext uri="{FF2B5EF4-FFF2-40B4-BE49-F238E27FC236}">
-                <a16:creationId xmlns:a16="http://schemas.microsoft.com/office/drawing/2014/main" id="{F936E3B0-6762-A2D4-C8F8-BCC3A7F97715}"/>
+                <a16:creationId xmlns:a16="http://schemas.microsoft.com/office/drawing/2014/main" id="{3CF1C822-9414-86F2-BCB8-C6E871951834}"/>
               </a:ext>
             </a:extLst>
           </p:cNvPr>
@@ -8022,17 +10721,17 @@
                   <a:schemeClr val="tx1"/>
                 </a:solidFill>
               </a:rPr>
-              <a:t>7</a:t>
-            </a:r>
-          </a:p>
-        </p:txBody>
-      </p:sp>
-      <p:sp>
-        <p:nvSpPr>
-          <p:cNvPr id="2" name="TextBox 1">
+              <a:t>9</a:t>
+            </a:r>
+          </a:p>
+        </p:txBody>
+      </p:sp>
+      <p:sp>
+        <p:nvSpPr>
+          <p:cNvPr id="4" name="TextBox 3">
             <a:extLst>
               <a:ext uri="{FF2B5EF4-FFF2-40B4-BE49-F238E27FC236}">
-                <a16:creationId xmlns:a16="http://schemas.microsoft.com/office/drawing/2014/main" id="{3EA93B23-D028-2C29-1E1D-619113B66116}"/>
+                <a16:creationId xmlns:a16="http://schemas.microsoft.com/office/drawing/2014/main" id="{9AC3A5CA-5098-09CC-CA86-00A37D17B9E3}"/>
               </a:ext>
             </a:extLst>
           </p:cNvPr>
@@ -8041,8 +10740,8 @@
         </p:nvSpPr>
         <p:spPr>
           <a:xfrm>
-            <a:off x="1915235" y="1255590"/>
-            <a:ext cx="7896714" cy="4077526"/>
+            <a:off x="1109533" y="259307"/>
+            <a:ext cx="2559868" cy="707886"/>
           </a:xfrm>
           <a:prstGeom prst="rect">
             <a:avLst/>
@@ -8055,109 +10754,21 @@
           </a:bodyPr>
           <a:lstStyle/>
           <a:p>
-            <a:pPr marL="285750" indent="-285750">
-              <a:lnSpc>
-                <a:spcPct val="150000"/>
-              </a:lnSpc>
-              <a:buFont typeface="Wingdings" panose="05000000000000000000" pitchFamily="2" charset="2"/>
-              <a:buChar char="Ø"/>
-            </a:pPr>
-            <a:r>
-              <a:rPr lang="en-US" sz="3600" b="1" dirty="0">
-                <a:latin typeface="Times New Roman" panose="02020603050405020304" pitchFamily="18" charset="0"/>
-                <a:cs typeface="Times New Roman" panose="02020603050405020304" pitchFamily="18" charset="0"/>
-              </a:rPr>
-              <a:t>Day 5:</a:t>
-            </a:r>
-          </a:p>
-          <a:p>
-            <a:pPr marL="1485900" lvl="2" indent="-571500">
-              <a:lnSpc>
-                <a:spcPct val="150000"/>
-              </a:lnSpc>
-              <a:buFont typeface="+mj-lt"/>
-              <a:buAutoNum type="romanUcPeriod"/>
-            </a:pPr>
-            <a:r>
-              <a:rPr lang="en-US" sz="2800" dirty="0">
-                <a:latin typeface="Times New Roman" panose="02020603050405020304" pitchFamily="18" charset="0"/>
-                <a:cs typeface="Times New Roman" panose="02020603050405020304" pitchFamily="18" charset="0"/>
-              </a:rPr>
-              <a:t>Overview Marking tools for Shopify Store</a:t>
-            </a:r>
-          </a:p>
-          <a:p>
-            <a:pPr marL="1485900" lvl="2" indent="-571500">
-              <a:lnSpc>
-                <a:spcPct val="150000"/>
-              </a:lnSpc>
-              <a:buFont typeface="+mj-lt"/>
-              <a:buAutoNum type="romanUcPeriod"/>
-            </a:pPr>
-            <a:r>
-              <a:rPr lang="en-US" sz="2800" dirty="0">
-                <a:latin typeface="Times New Roman" panose="02020603050405020304" pitchFamily="18" charset="0"/>
-                <a:cs typeface="Times New Roman" panose="02020603050405020304" pitchFamily="18" charset="0"/>
-              </a:rPr>
-              <a:t>Explanation Offers</a:t>
-            </a:r>
-          </a:p>
-          <a:p>
-            <a:pPr marL="1943100" lvl="3" indent="-571500">
-              <a:lnSpc>
-                <a:spcPct val="150000"/>
-              </a:lnSpc>
-              <a:buFont typeface="Arial" panose="020B0604020202020204" pitchFamily="34" charset="0"/>
-              <a:buChar char="•"/>
-            </a:pPr>
-            <a:r>
-              <a:rPr lang="en-US" sz="2800" dirty="0">
-                <a:latin typeface="Times New Roman" panose="02020603050405020304" pitchFamily="18" charset="0"/>
-                <a:cs typeface="Times New Roman" panose="02020603050405020304" pitchFamily="18" charset="0"/>
-              </a:rPr>
-              <a:t>Promotions, discounts and Sponsoring</a:t>
-            </a:r>
-          </a:p>
-          <a:p>
-            <a:pPr marL="1485900" lvl="2" indent="-571500">
-              <a:lnSpc>
-                <a:spcPct val="150000"/>
-              </a:lnSpc>
-              <a:buFont typeface="+mj-lt"/>
-              <a:buAutoNum type="romanUcPeriod"/>
-            </a:pPr>
-            <a:r>
-              <a:rPr lang="en-US" sz="2800" dirty="0">
-                <a:latin typeface="Times New Roman" panose="02020603050405020304" pitchFamily="18" charset="0"/>
-                <a:cs typeface="Times New Roman" panose="02020603050405020304" pitchFamily="18" charset="0"/>
-              </a:rPr>
-              <a:t>Inquiries and managing Orders</a:t>
-            </a:r>
-          </a:p>
-          <a:p>
-            <a:pPr marL="1485900" lvl="2" indent="-571500">
-              <a:lnSpc>
-                <a:spcPct val="150000"/>
-              </a:lnSpc>
-              <a:buFont typeface="+mj-lt"/>
-              <a:buAutoNum type="romanUcPeriod"/>
-            </a:pPr>
-            <a:r>
-              <a:rPr lang="en-US" sz="2800" dirty="0">
-                <a:latin typeface="Times New Roman" panose="02020603050405020304" pitchFamily="18" charset="0"/>
-                <a:cs typeface="Times New Roman" panose="02020603050405020304" pitchFamily="18" charset="0"/>
-              </a:rPr>
-              <a:t>Review Inquiries and discussion</a:t>
-            </a:r>
-          </a:p>
-        </p:txBody>
-      </p:sp>
-      <p:sp>
-        <p:nvSpPr>
-          <p:cNvPr id="3" name="TextBox 2">
+            <a:r>
+              <a:rPr lang="en-US" sz="4000" b="1" dirty="0">
+                <a:latin typeface="Arial Black" panose="020B0A04020102020204" pitchFamily="34" charset="0"/>
+              </a:rPr>
+              <a:t>Week #2</a:t>
+            </a:r>
+          </a:p>
+        </p:txBody>
+      </p:sp>
+      <p:sp>
+        <p:nvSpPr>
+          <p:cNvPr id="6" name="TextBox 5">
             <a:extLst>
               <a:ext uri="{FF2B5EF4-FFF2-40B4-BE49-F238E27FC236}">
-                <a16:creationId xmlns:a16="http://schemas.microsoft.com/office/drawing/2014/main" id="{13C7E109-1AAC-B21C-32DB-130CCA25A7A2}"/>
+                <a16:creationId xmlns:a16="http://schemas.microsoft.com/office/drawing/2014/main" id="{8E579D63-20FA-93FC-4F82-6D76687FE01D}"/>
               </a:ext>
             </a:extLst>
           </p:cNvPr>
@@ -8166,8 +10777,8 @@
         </p:nvSpPr>
         <p:spPr>
           <a:xfrm>
-            <a:off x="1109533" y="259307"/>
-            <a:ext cx="2559868" cy="707886"/>
+            <a:off x="1109533" y="887102"/>
+            <a:ext cx="5100051" cy="584775"/>
           </a:xfrm>
           <a:prstGeom prst="rect">
             <a:avLst/>
@@ -8181,18 +10792,53 @@
           <a:lstStyle/>
           <a:p>
             <a:r>
-              <a:rPr lang="en-US" sz="4000" b="1" dirty="0">
-                <a:latin typeface="Arial Black" panose="020B0A04020102020204" pitchFamily="34" charset="0"/>
-              </a:rPr>
-              <a:t>Week #1</a:t>
-            </a:r>
-          </a:p>
-        </p:txBody>
-      </p:sp>
+              <a:rPr lang="en-US" sz="3200" b="1" dirty="0">
+                <a:latin typeface="Times New Roman" panose="02020603050405020304" pitchFamily="18" charset="0"/>
+                <a:cs typeface="Times New Roman" panose="02020603050405020304" pitchFamily="18" charset="0"/>
+              </a:rPr>
+              <a:t>Dashboard Product Listing:</a:t>
+            </a:r>
+            <a:endParaRPr lang="en-PK" sz="3200" b="1" dirty="0">
+              <a:latin typeface="Times New Roman" panose="02020603050405020304" pitchFamily="18" charset="0"/>
+              <a:cs typeface="Times New Roman" panose="02020603050405020304" pitchFamily="18" charset="0"/>
+            </a:endParaRPr>
+          </a:p>
+        </p:txBody>
+      </p:sp>
+      <p:pic>
+        <p:nvPicPr>
+          <p:cNvPr id="3" name="Picture 2">
+            <a:extLst>
+              <a:ext uri="{FF2B5EF4-FFF2-40B4-BE49-F238E27FC236}">
+                <a16:creationId xmlns:a16="http://schemas.microsoft.com/office/drawing/2014/main" id="{8608863E-3FDB-11D8-CEB9-355F4D6BC533}"/>
+              </a:ext>
+            </a:extLst>
+          </p:cNvPr>
+          <p:cNvPicPr>
+            <a:picLocks noChangeAspect="1"/>
+          </p:cNvPicPr>
+          <p:nvPr/>
+        </p:nvPicPr>
+        <p:blipFill>
+          <a:blip r:embed="rId3"/>
+          <a:stretch>
+            <a:fillRect/>
+          </a:stretch>
+        </p:blipFill>
+        <p:spPr>
+          <a:xfrm>
+            <a:off x="1618938" y="1450864"/>
+            <a:ext cx="7919616" cy="3728600"/>
+          </a:xfrm>
+          <a:prstGeom prst="rect">
+            <a:avLst/>
+          </a:prstGeom>
+        </p:spPr>
+      </p:pic>
     </p:spTree>
     <p:extLst>
       <p:ext uri="{BB962C8B-B14F-4D97-AF65-F5344CB8AC3E}">
-        <p14:creationId xmlns:p14="http://schemas.microsoft.com/office/powerpoint/2010/main" val="4159704293"/>
+        <p14:creationId xmlns:p14="http://schemas.microsoft.com/office/powerpoint/2010/main" val="3618558949"/>
       </p:ext>
     </p:extLst>
   </p:cSld>

--- a/eCommerce/Lectures/4th Week Lecture.pptx
+++ b/eCommerce/Lectures/4th Week Lecture.pptx
@@ -849,7 +849,7 @@
           <a:p>
             <a:fld id="{F92B177F-34A6-4B22-B4DE-0B5E1D1AE6C4}" type="datetimeFigureOut">
               <a:rPr lang="en-US" smtClean="0"/>
-              <a:t>3/18/2024</a:t>
+              <a:t>4/8/2024</a:t>
             </a:fld>
             <a:endParaRPr lang="en-US"/>
           </a:p>
@@ -1100,7 +1100,7 @@
           <a:p>
             <a:fld id="{F92B177F-34A6-4B22-B4DE-0B5E1D1AE6C4}" type="datetimeFigureOut">
               <a:rPr lang="en-US" smtClean="0"/>
-              <a:t>3/18/2024</a:t>
+              <a:t>4/8/2024</a:t>
             </a:fld>
             <a:endParaRPr lang="en-US"/>
           </a:p>
@@ -1414,7 +1414,7 @@
           <a:p>
             <a:fld id="{F92B177F-34A6-4B22-B4DE-0B5E1D1AE6C4}" type="datetimeFigureOut">
               <a:rPr lang="en-US" smtClean="0"/>
-              <a:t>3/18/2024</a:t>
+              <a:t>4/8/2024</a:t>
             </a:fld>
             <a:endParaRPr lang="en-US"/>
           </a:p>
@@ -1755,7 +1755,7 @@
           <a:p>
             <a:fld id="{F92B177F-34A6-4B22-B4DE-0B5E1D1AE6C4}" type="datetimeFigureOut">
               <a:rPr lang="en-US" smtClean="0"/>
-              <a:t>3/18/2024</a:t>
+              <a:t>4/8/2024</a:t>
             </a:fld>
             <a:endParaRPr lang="en-US"/>
           </a:p>
@@ -2069,7 +2069,7 @@
           <a:p>
             <a:fld id="{F92B177F-34A6-4B22-B4DE-0B5E1D1AE6C4}" type="datetimeFigureOut">
               <a:rPr lang="en-US" smtClean="0"/>
-              <a:t>3/18/2024</a:t>
+              <a:t>4/8/2024</a:t>
             </a:fld>
             <a:endParaRPr lang="en-US"/>
           </a:p>
@@ -2462,7 +2462,7 @@
           <a:p>
             <a:fld id="{F92B177F-34A6-4B22-B4DE-0B5E1D1AE6C4}" type="datetimeFigureOut">
               <a:rPr lang="en-US" smtClean="0"/>
-              <a:t>3/18/2024</a:t>
+              <a:t>4/8/2024</a:t>
             </a:fld>
             <a:endParaRPr lang="en-US"/>
           </a:p>
@@ -2632,7 +2632,7 @@
           <a:p>
             <a:fld id="{F92B177F-34A6-4B22-B4DE-0B5E1D1AE6C4}" type="datetimeFigureOut">
               <a:rPr lang="en-US" smtClean="0"/>
-              <a:t>3/18/2024</a:t>
+              <a:t>4/8/2024</a:t>
             </a:fld>
             <a:endParaRPr lang="en-US"/>
           </a:p>
@@ -2812,7 +2812,7 @@
           <a:p>
             <a:fld id="{F92B177F-34A6-4B22-B4DE-0B5E1D1AE6C4}" type="datetimeFigureOut">
               <a:rPr lang="en-US" smtClean="0"/>
-              <a:t>3/18/2024</a:t>
+              <a:t>4/8/2024</a:t>
             </a:fld>
             <a:endParaRPr lang="en-US"/>
           </a:p>
@@ -2988,7 +2988,7 @@
           <a:p>
             <a:fld id="{F92B177F-34A6-4B22-B4DE-0B5E1D1AE6C4}" type="datetimeFigureOut">
               <a:rPr lang="en-US" smtClean="0"/>
-              <a:t>3/18/2024</a:t>
+              <a:t>4/8/2024</a:t>
             </a:fld>
             <a:endParaRPr lang="en-US"/>
           </a:p>
@@ -3235,7 +3235,7 @@
           <a:p>
             <a:fld id="{F92B177F-34A6-4B22-B4DE-0B5E1D1AE6C4}" type="datetimeFigureOut">
               <a:rPr lang="en-US" smtClean="0"/>
-              <a:t>3/18/2024</a:t>
+              <a:t>4/8/2024</a:t>
             </a:fld>
             <a:endParaRPr lang="en-US"/>
           </a:p>
@@ -3467,7 +3467,7 @@
           <a:p>
             <a:fld id="{F92B177F-34A6-4B22-B4DE-0B5E1D1AE6C4}" type="datetimeFigureOut">
               <a:rPr lang="en-US" smtClean="0"/>
-              <a:t>3/18/2024</a:t>
+              <a:t>4/8/2024</a:t>
             </a:fld>
             <a:endParaRPr lang="en-US"/>
           </a:p>
@@ -3841,7 +3841,7 @@
           <a:p>
             <a:fld id="{F92B177F-34A6-4B22-B4DE-0B5E1D1AE6C4}" type="datetimeFigureOut">
               <a:rPr lang="en-US" smtClean="0"/>
-              <a:t>3/18/2024</a:t>
+              <a:t>4/8/2024</a:t>
             </a:fld>
             <a:endParaRPr lang="en-US"/>
           </a:p>
@@ -3964,7 +3964,7 @@
           <a:p>
             <a:fld id="{F92B177F-34A6-4B22-B4DE-0B5E1D1AE6C4}" type="datetimeFigureOut">
               <a:rPr lang="en-US" smtClean="0"/>
-              <a:t>3/18/2024</a:t>
+              <a:t>4/8/2024</a:t>
             </a:fld>
             <a:endParaRPr lang="en-US"/>
           </a:p>
@@ -4059,7 +4059,7 @@
           <a:p>
             <a:fld id="{F92B177F-34A6-4B22-B4DE-0B5E1D1AE6C4}" type="datetimeFigureOut">
               <a:rPr lang="en-US" smtClean="0"/>
-              <a:t>3/18/2024</a:t>
+              <a:t>4/8/2024</a:t>
             </a:fld>
             <a:endParaRPr lang="en-US"/>
           </a:p>
@@ -4314,7 +4314,7 @@
           <a:p>
             <a:fld id="{F92B177F-34A6-4B22-B4DE-0B5E1D1AE6C4}" type="datetimeFigureOut">
               <a:rPr lang="en-US" smtClean="0"/>
-              <a:t>3/18/2024</a:t>
+              <a:t>4/8/2024</a:t>
             </a:fld>
             <a:endParaRPr lang="en-US"/>
           </a:p>
@@ -4577,7 +4577,7 @@
           <a:p>
             <a:fld id="{F92B177F-34A6-4B22-B4DE-0B5E1D1AE6C4}" type="datetimeFigureOut">
               <a:rPr lang="en-US" smtClean="0"/>
-              <a:t>3/18/2024</a:t>
+              <a:t>4/8/2024</a:t>
             </a:fld>
             <a:endParaRPr lang="en-US"/>
           </a:p>
@@ -5320,7 +5320,7 @@
           <a:p>
             <a:fld id="{F92B177F-34A6-4B22-B4DE-0B5E1D1AE6C4}" type="datetimeFigureOut">
               <a:rPr lang="en-US" smtClean="0"/>
-              <a:t>3/18/2024</a:t>
+              <a:t>4/8/2024</a:t>
             </a:fld>
             <a:endParaRPr lang="en-US"/>
           </a:p>
@@ -6024,7 +6024,7 @@
               <a:rPr lang="en-US" sz="4000" b="1" dirty="0">
                 <a:latin typeface="Arial Black" panose="020B0A04020102020204" pitchFamily="34" charset="0"/>
               </a:rPr>
-              <a:t>Week #2</a:t>
+              <a:t>Week #4</a:t>
             </a:r>
           </a:p>
         </p:txBody>
@@ -6479,7 +6479,7 @@
               <a:rPr lang="en-US" sz="4000" b="1" dirty="0">
                 <a:latin typeface="Arial Black" panose="020B0A04020102020204" pitchFamily="34" charset="0"/>
               </a:rPr>
-              <a:t>Week #1</a:t>
+              <a:t>Week #4</a:t>
             </a:r>
           </a:p>
         </p:txBody>
@@ -6700,7 +6700,7 @@
               <a:rPr lang="en-US" sz="4000" b="1" dirty="0">
                 <a:latin typeface="Arial Black" panose="020B0A04020102020204" pitchFamily="34" charset="0"/>
               </a:rPr>
-              <a:t>Week #2</a:t>
+              <a:t>Week #4</a:t>
             </a:r>
           </a:p>
         </p:txBody>
@@ -6993,7 +6993,7 @@
               <a:rPr lang="en-US" sz="4000" b="1" dirty="0">
                 <a:latin typeface="Arial Black" panose="020B0A04020102020204" pitchFamily="34" charset="0"/>
               </a:rPr>
-              <a:t>Week #2</a:t>
+              <a:t>Week #4</a:t>
             </a:r>
           </a:p>
         </p:txBody>
@@ -7286,7 +7286,7 @@
               <a:rPr lang="en-US" sz="4000" b="1" dirty="0">
                 <a:latin typeface="Arial Black" panose="020B0A04020102020204" pitchFamily="34" charset="0"/>
               </a:rPr>
-              <a:t>Week #2</a:t>
+              <a:t>Week #4</a:t>
             </a:r>
           </a:p>
         </p:txBody>
@@ -7704,7 +7704,7 @@
               <a:rPr lang="en-US" sz="4000" b="1" dirty="0">
                 <a:latin typeface="Arial Black" panose="020B0A04020102020204" pitchFamily="34" charset="0"/>
               </a:rPr>
-              <a:t>Week #1</a:t>
+              <a:t>Week #4</a:t>
             </a:r>
           </a:p>
         </p:txBody>
@@ -7925,7 +7925,7 @@
               <a:rPr lang="en-US" sz="4000" b="1" dirty="0">
                 <a:latin typeface="Arial Black" panose="020B0A04020102020204" pitchFamily="34" charset="0"/>
               </a:rPr>
-              <a:t>Week #2</a:t>
+              <a:t>Week #4</a:t>
             </a:r>
           </a:p>
         </p:txBody>
@@ -8218,7 +8218,7 @@
               <a:rPr lang="en-US" sz="4000" b="1" dirty="0">
                 <a:latin typeface="Arial Black" panose="020B0A04020102020204" pitchFamily="34" charset="0"/>
               </a:rPr>
-              <a:t>Week #2</a:t>
+              <a:t>Week #4</a:t>
             </a:r>
           </a:p>
         </p:txBody>
@@ -8511,7 +8511,7 @@
               <a:rPr lang="en-US" sz="4000" b="1" dirty="0">
                 <a:latin typeface="Arial Black" panose="020B0A04020102020204" pitchFamily="34" charset="0"/>
               </a:rPr>
-              <a:t>Week #2</a:t>
+              <a:t>Week #4</a:t>
             </a:r>
           </a:p>
         </p:txBody>
@@ -8857,7 +8857,7 @@
               <a:rPr lang="en-US" sz="4000" b="1" dirty="0">
                 <a:latin typeface="Arial Black" panose="020B0A04020102020204" pitchFamily="34" charset="0"/>
               </a:rPr>
-              <a:t>Week #2</a:t>
+              <a:t>Week #4</a:t>
             </a:r>
           </a:p>
         </p:txBody>
@@ -9312,7 +9312,7 @@
               <a:rPr lang="en-US" sz="4000" b="1" dirty="0">
                 <a:latin typeface="Arial Black" panose="020B0A04020102020204" pitchFamily="34" charset="0"/>
               </a:rPr>
-              <a:t>Week #2</a:t>
+              <a:t>Week #4</a:t>
             </a:r>
           </a:p>
         </p:txBody>
@@ -9533,7 +9533,7 @@
               <a:rPr lang="en-US" sz="4000" b="1" dirty="0">
                 <a:latin typeface="Arial Black" panose="020B0A04020102020204" pitchFamily="34" charset="0"/>
               </a:rPr>
-              <a:t>Week #2</a:t>
+              <a:t>Week #4</a:t>
             </a:r>
           </a:p>
         </p:txBody>
@@ -9826,7 +9826,7 @@
               <a:rPr lang="en-US" sz="4000" b="1" dirty="0">
                 <a:latin typeface="Arial Black" panose="020B0A04020102020204" pitchFamily="34" charset="0"/>
               </a:rPr>
-              <a:t>Week #2</a:t>
+              <a:t>Week #4</a:t>
             </a:r>
           </a:p>
         </p:txBody>
@@ -10244,7 +10244,7 @@
               <a:rPr lang="en-US" sz="4000" b="1" dirty="0">
                 <a:latin typeface="Arial Black" panose="020B0A04020102020204" pitchFamily="34" charset="0"/>
               </a:rPr>
-              <a:t>Week #1</a:t>
+              <a:t>Week #4</a:t>
             </a:r>
           </a:p>
         </p:txBody>
@@ -10465,7 +10465,7 @@
               <a:rPr lang="en-US" sz="4000" b="1" dirty="0">
                 <a:latin typeface="Arial Black" panose="020B0A04020102020204" pitchFamily="34" charset="0"/>
               </a:rPr>
-              <a:t>Week #2</a:t>
+              <a:t>Week #4</a:t>
             </a:r>
           </a:p>
         </p:txBody>
@@ -10758,7 +10758,7 @@
               <a:rPr lang="en-US" sz="4000" b="1" dirty="0">
                 <a:latin typeface="Arial Black" panose="020B0A04020102020204" pitchFamily="34" charset="0"/>
               </a:rPr>
-              <a:t>Week #2</a:t>
+              <a:t>Week #4</a:t>
             </a:r>
           </a:p>
         </p:txBody>
